--- a/Presentation Candra Wirawan.pptx
+++ b/Presentation Candra Wirawan.pptx
@@ -7,26 +7,25 @@
   <p:sldIdLst>
     <p:sldId id="256" r:id="rId2"/>
     <p:sldId id="257" r:id="rId3"/>
-    <p:sldId id="258" r:id="rId4"/>
-    <p:sldId id="259" r:id="rId5"/>
-    <p:sldId id="260" r:id="rId6"/>
-    <p:sldId id="261" r:id="rId7"/>
-    <p:sldId id="262" r:id="rId8"/>
-    <p:sldId id="263" r:id="rId9"/>
-    <p:sldId id="264" r:id="rId10"/>
-    <p:sldId id="265" r:id="rId11"/>
-    <p:sldId id="266" r:id="rId12"/>
-    <p:sldId id="267" r:id="rId13"/>
-    <p:sldId id="268" r:id="rId14"/>
-    <p:sldId id="270" r:id="rId15"/>
-    <p:sldId id="269" r:id="rId16"/>
-    <p:sldId id="271" r:id="rId17"/>
-    <p:sldId id="272" r:id="rId18"/>
-    <p:sldId id="273" r:id="rId19"/>
-    <p:sldId id="274" r:id="rId20"/>
-    <p:sldId id="275" r:id="rId21"/>
-    <p:sldId id="276" r:id="rId22"/>
-    <p:sldId id="277" r:id="rId23"/>
+    <p:sldId id="259" r:id="rId4"/>
+    <p:sldId id="260" r:id="rId5"/>
+    <p:sldId id="261" r:id="rId6"/>
+    <p:sldId id="262" r:id="rId7"/>
+    <p:sldId id="263" r:id="rId8"/>
+    <p:sldId id="264" r:id="rId9"/>
+    <p:sldId id="265" r:id="rId10"/>
+    <p:sldId id="266" r:id="rId11"/>
+    <p:sldId id="267" r:id="rId12"/>
+    <p:sldId id="268" r:id="rId13"/>
+    <p:sldId id="270" r:id="rId14"/>
+    <p:sldId id="269" r:id="rId15"/>
+    <p:sldId id="271" r:id="rId16"/>
+    <p:sldId id="272" r:id="rId17"/>
+    <p:sldId id="273" r:id="rId18"/>
+    <p:sldId id="274" r:id="rId19"/>
+    <p:sldId id="275" r:id="rId20"/>
+    <p:sldId id="276" r:id="rId21"/>
+    <p:sldId id="277" r:id="rId22"/>
   </p:sldIdLst>
   <p:sldSz cx="12192000" cy="6858000"/>
   <p:notesSz cx="6858000" cy="9144000"/>
@@ -282,7 +281,7 @@
           <a:p>
             <a:fld id="{E8238B95-8EFC-402D-9717-F1D549188DAA}" type="datetimeFigureOut">
               <a:rPr lang="id-ID" smtClean="0"/>
-              <a:t>31/07/2022</a:t>
+              <a:t>02/08/2022</a:t>
             </a:fld>
             <a:endParaRPr lang="id-ID"/>
           </a:p>
@@ -482,7 +481,7 @@
           <a:p>
             <a:fld id="{E8238B95-8EFC-402D-9717-F1D549188DAA}" type="datetimeFigureOut">
               <a:rPr lang="id-ID" smtClean="0"/>
-              <a:t>31/07/2022</a:t>
+              <a:t>02/08/2022</a:t>
             </a:fld>
             <a:endParaRPr lang="id-ID"/>
           </a:p>
@@ -692,7 +691,7 @@
           <a:p>
             <a:fld id="{E8238B95-8EFC-402D-9717-F1D549188DAA}" type="datetimeFigureOut">
               <a:rPr lang="id-ID" smtClean="0"/>
-              <a:t>31/07/2022</a:t>
+              <a:t>02/08/2022</a:t>
             </a:fld>
             <a:endParaRPr lang="id-ID"/>
           </a:p>
@@ -892,7 +891,7 @@
           <a:p>
             <a:fld id="{E8238B95-8EFC-402D-9717-F1D549188DAA}" type="datetimeFigureOut">
               <a:rPr lang="id-ID" smtClean="0"/>
-              <a:t>31/07/2022</a:t>
+              <a:t>02/08/2022</a:t>
             </a:fld>
             <a:endParaRPr lang="id-ID"/>
           </a:p>
@@ -1168,7 +1167,7 @@
           <a:p>
             <a:fld id="{E8238B95-8EFC-402D-9717-F1D549188DAA}" type="datetimeFigureOut">
               <a:rPr lang="id-ID" smtClean="0"/>
-              <a:t>31/07/2022</a:t>
+              <a:t>02/08/2022</a:t>
             </a:fld>
             <a:endParaRPr lang="id-ID"/>
           </a:p>
@@ -1436,7 +1435,7 @@
           <a:p>
             <a:fld id="{E8238B95-8EFC-402D-9717-F1D549188DAA}" type="datetimeFigureOut">
               <a:rPr lang="id-ID" smtClean="0"/>
-              <a:t>31/07/2022</a:t>
+              <a:t>02/08/2022</a:t>
             </a:fld>
             <a:endParaRPr lang="id-ID"/>
           </a:p>
@@ -1851,7 +1850,7 @@
           <a:p>
             <a:fld id="{E8238B95-8EFC-402D-9717-F1D549188DAA}" type="datetimeFigureOut">
               <a:rPr lang="id-ID" smtClean="0"/>
-              <a:t>31/07/2022</a:t>
+              <a:t>02/08/2022</a:t>
             </a:fld>
             <a:endParaRPr lang="id-ID"/>
           </a:p>
@@ -1993,7 +1992,7 @@
           <a:p>
             <a:fld id="{E8238B95-8EFC-402D-9717-F1D549188DAA}" type="datetimeFigureOut">
               <a:rPr lang="id-ID" smtClean="0"/>
-              <a:t>31/07/2022</a:t>
+              <a:t>02/08/2022</a:t>
             </a:fld>
             <a:endParaRPr lang="id-ID"/>
           </a:p>
@@ -2106,7 +2105,7 @@
           <a:p>
             <a:fld id="{E8238B95-8EFC-402D-9717-F1D549188DAA}" type="datetimeFigureOut">
               <a:rPr lang="id-ID" smtClean="0"/>
-              <a:t>31/07/2022</a:t>
+              <a:t>02/08/2022</a:t>
             </a:fld>
             <a:endParaRPr lang="id-ID"/>
           </a:p>
@@ -2419,7 +2418,7 @@
           <a:p>
             <a:fld id="{E8238B95-8EFC-402D-9717-F1D549188DAA}" type="datetimeFigureOut">
               <a:rPr lang="id-ID" smtClean="0"/>
-              <a:t>31/07/2022</a:t>
+              <a:t>02/08/2022</a:t>
             </a:fld>
             <a:endParaRPr lang="id-ID"/>
           </a:p>
@@ -2708,7 +2707,7 @@
           <a:p>
             <a:fld id="{E8238B95-8EFC-402D-9717-F1D549188DAA}" type="datetimeFigureOut">
               <a:rPr lang="id-ID" smtClean="0"/>
-              <a:t>31/07/2022</a:t>
+              <a:t>02/08/2022</a:t>
             </a:fld>
             <a:endParaRPr lang="id-ID"/>
           </a:p>
@@ -2951,7 +2950,7 @@
           <a:p>
             <a:fld id="{E8238B95-8EFC-402D-9717-F1D549188DAA}" type="datetimeFigureOut">
               <a:rPr lang="id-ID" smtClean="0"/>
-              <a:t>31/07/2022</a:t>
+              <a:t>02/08/2022</a:t>
             </a:fld>
             <a:endParaRPr lang="id-ID"/>
           </a:p>
@@ -3560,10 +3559,10 @@
       </p:grpSpPr>
       <p:sp>
         <p:nvSpPr>
-          <p:cNvPr id="3" name="Content Placeholder 2">
-            <a:extLst>
-              <a:ext uri="{FF2B5EF4-FFF2-40B4-BE49-F238E27FC236}">
-                <a16:creationId xmlns:a16="http://schemas.microsoft.com/office/drawing/2014/main" id="{06BD2ABE-62CF-794C-67B9-D2B69E99CD97}"/>
+          <p:cNvPr id="2" name="Title 1">
+            <a:extLst>
+              <a:ext uri="{FF2B5EF4-FFF2-40B4-BE49-F238E27FC236}">
+                <a16:creationId xmlns:a16="http://schemas.microsoft.com/office/drawing/2014/main" id="{3F2D4D0C-408C-0B51-EBB0-96E702BA03B4}"/>
               </a:ext>
             </a:extLst>
           </p:cNvPr>
@@ -3571,97 +3570,60 @@
             <a:spLocks noGrp="1"/>
           </p:cNvSpPr>
           <p:nvPr>
+            <p:ph type="title"/>
+          </p:nvPr>
+        </p:nvSpPr>
+        <p:spPr/>
+        <p:txBody>
+          <a:bodyPr/>
+          <a:lstStyle/>
+          <a:p>
+            <a:pPr algn="ctr"/>
+            <a:r>
+              <a:rPr lang="id-ID" dirty="0"/>
+              <a:t>Teknologi Yang Harus Dipelajari</a:t>
+            </a:r>
+          </a:p>
+        </p:txBody>
+      </p:sp>
+      <p:pic>
+        <p:nvPicPr>
+          <p:cNvPr id="7" name="Content Placeholder 6">
+            <a:extLst>
+              <a:ext uri="{FF2B5EF4-FFF2-40B4-BE49-F238E27FC236}">
+                <a16:creationId xmlns:a16="http://schemas.microsoft.com/office/drawing/2014/main" id="{736F1D42-6D6C-FC44-51E1-6F184A2847F0}"/>
+              </a:ext>
+            </a:extLst>
+          </p:cNvPr>
+          <p:cNvPicPr>
+            <a:picLocks noGrp="1" noChangeAspect="1"/>
+          </p:cNvPicPr>
+          <p:nvPr>
             <p:ph idx="1"/>
           </p:nvPr>
-        </p:nvSpPr>
+        </p:nvPicPr>
+        <p:blipFill rotWithShape="1">
+          <a:blip r:embed="rId2">
+            <a:extLst>
+              <a:ext uri="{28A0092B-C50C-407E-A947-70E740481C1C}">
+                <a14:useLocalDpi xmlns:a14="http://schemas.microsoft.com/office/drawing/2010/main" val="0"/>
+              </a:ext>
+            </a:extLst>
+          </a:blip>
+          <a:srcRect l="-1847" t="-1031" r="1847" b="1031"/>
+          <a:stretch/>
+        </p:blipFill>
         <p:spPr>
           <a:xfrm>
-            <a:off x="838200" y="0"/>
-            <a:ext cx="10515600" cy="6858000"/>
+            <a:off x="3574474" y="1780743"/>
+            <a:ext cx="5250872" cy="4351338"/>
           </a:xfrm>
         </p:spPr>
-        <p:txBody>
-          <a:bodyPr>
-            <a:normAutofit/>
-          </a:bodyPr>
-          <a:lstStyle/>
-          <a:p>
-            <a:pPr marL="0" indent="0">
-              <a:lnSpc>
-                <a:spcPct val="150000"/>
-              </a:lnSpc>
-              <a:buNone/>
-            </a:pPr>
-            <a:endParaRPr lang="id-ID" b="0" i="0" dirty="0">
-              <a:solidFill>
-                <a:srgbClr val="202124"/>
-              </a:solidFill>
-              <a:effectLst/>
-              <a:latin typeface="arial" panose="020B0604020202020204" pitchFamily="34" charset="0"/>
-            </a:endParaRPr>
-          </a:p>
-          <a:p>
-            <a:pPr marL="0" indent="0" algn="ctr">
-              <a:lnSpc>
-                <a:spcPct val="150000"/>
-              </a:lnSpc>
-              <a:buNone/>
-            </a:pPr>
-            <a:r>
-              <a:rPr lang="id-ID" b="1" dirty="0">
-                <a:solidFill>
-                  <a:srgbClr val="202124"/>
-                </a:solidFill>
-                <a:latin typeface="arial" panose="020B0604020202020204" pitchFamily="34" charset="0"/>
-              </a:rPr>
-              <a:t>BackEnd</a:t>
-            </a:r>
-          </a:p>
-          <a:p>
-            <a:pPr marL="0" indent="0">
-              <a:lnSpc>
-                <a:spcPct val="150000"/>
-              </a:lnSpc>
-              <a:buNone/>
-            </a:pPr>
-            <a:r>
-              <a:rPr lang="id-ID" b="0" i="0" dirty="0">
-                <a:solidFill>
-                  <a:srgbClr val="202124"/>
-                </a:solidFill>
-                <a:effectLst/>
-                <a:latin typeface="arial" panose="020B0604020202020204" pitchFamily="34" charset="0"/>
-              </a:rPr>
-              <a:t>Pengembang back-end adalah </a:t>
-            </a:r>
-            <a:r>
-              <a:rPr lang="id-ID" b="1" i="0" dirty="0">
-                <a:solidFill>
-                  <a:srgbClr val="202124"/>
-                </a:solidFill>
-                <a:effectLst/>
-                <a:latin typeface="arial" panose="020B0604020202020204" pitchFamily="34" charset="0"/>
-              </a:rPr>
-              <a:t>ahli yang membangun dan memelihara mekanisme yang memproses data dan melakukan tindakan di situs web</a:t>
-            </a:r>
-            <a:r>
-              <a:rPr lang="id-ID" b="0" i="0" dirty="0">
-                <a:solidFill>
-                  <a:srgbClr val="202124"/>
-                </a:solidFill>
-                <a:effectLst/>
-                <a:latin typeface="arial" panose="020B0604020202020204" pitchFamily="34" charset="0"/>
-              </a:rPr>
-              <a:t> . Tidak seperti pengembang front-end, yang mengontrol semua yang dapat Anda lihat di situs web, pengembang back-end terlibat dalam penyimpanan data, keamanan, dan fungsi sisi server lainnya yang tidak dapat Anda lihat.</a:t>
-            </a:r>
-            <a:endParaRPr lang="id-ID" dirty="0"/>
-          </a:p>
-        </p:txBody>
-      </p:sp>
+      </p:pic>
     </p:spTree>
     <p:extLst>
       <p:ext uri="{BB962C8B-B14F-4D97-AF65-F5344CB8AC3E}">
-        <p14:creationId xmlns:p14="http://schemas.microsoft.com/office/powerpoint/2010/main" val="3962951314"/>
+        <p14:creationId xmlns:p14="http://schemas.microsoft.com/office/powerpoint/2010/main" val="3345253459"/>
       </p:ext>
     </p:extLst>
   </p:cSld>
@@ -3690,10 +3652,10 @@
       </p:grpSpPr>
       <p:sp>
         <p:nvSpPr>
-          <p:cNvPr id="2" name="Title 1">
-            <a:extLst>
-              <a:ext uri="{FF2B5EF4-FFF2-40B4-BE49-F238E27FC236}">
-                <a16:creationId xmlns:a16="http://schemas.microsoft.com/office/drawing/2014/main" id="{3F2D4D0C-408C-0B51-EBB0-96E702BA03B4}"/>
+          <p:cNvPr id="3" name="Content Placeholder 2">
+            <a:extLst>
+              <a:ext uri="{FF2B5EF4-FFF2-40B4-BE49-F238E27FC236}">
+                <a16:creationId xmlns:a16="http://schemas.microsoft.com/office/drawing/2014/main" id="{CDEE50E4-38F6-DD2C-6106-96A896161C43}"/>
               </a:ext>
             </a:extLst>
           </p:cNvPr>
@@ -3701,61 +3663,78 @@
             <a:spLocks noGrp="1"/>
           </p:cNvSpPr>
           <p:nvPr>
-            <p:ph type="title"/>
+            <p:ph idx="1"/>
           </p:nvPr>
         </p:nvSpPr>
-        <p:spPr/>
+        <p:spPr>
+          <a:xfrm>
+            <a:off x="838200" y="266700"/>
+            <a:ext cx="10515600" cy="5910263"/>
+          </a:xfrm>
+        </p:spPr>
         <p:txBody>
           <a:bodyPr/>
           <a:lstStyle/>
           <a:p>
-            <a:pPr algn="ctr"/>
-            <a:r>
-              <a:rPr lang="id-ID" dirty="0"/>
-              <a:t>Teknologi Yang Harus Dipelajari</a:t>
-            </a:r>
+            <a:pPr marL="0" indent="0" algn="ctr">
+              <a:buNone/>
+            </a:pPr>
+            <a:endParaRPr lang="id-ID" sz="4400" b="1" dirty="0"/>
+          </a:p>
+          <a:p>
+            <a:pPr marL="0" indent="0" algn="ctr">
+              <a:buNone/>
+            </a:pPr>
+            <a:r>
+              <a:rPr lang="id-ID" sz="4400" b="1" dirty="0"/>
+              <a:t>DATABASE</a:t>
+            </a:r>
+          </a:p>
+          <a:p>
+            <a:pPr marL="0" indent="0">
+              <a:lnSpc>
+                <a:spcPct val="200000"/>
+              </a:lnSpc>
+              <a:buNone/>
+            </a:pPr>
+            <a:r>
+              <a:rPr lang="id-ID" b="0" i="0" dirty="0">
+                <a:solidFill>
+                  <a:srgbClr val="202124"/>
+                </a:solidFill>
+                <a:effectLst/>
+                <a:latin typeface="arial" panose="020B0604020202020204" pitchFamily="34" charset="0"/>
+              </a:rPr>
+              <a:t>Database adalah </a:t>
+            </a:r>
+            <a:r>
+              <a:rPr lang="id-ID" b="1" i="0" dirty="0">
+                <a:solidFill>
+                  <a:srgbClr val="202124"/>
+                </a:solidFill>
+                <a:effectLst/>
+                <a:latin typeface="arial" panose="020B0604020202020204" pitchFamily="34" charset="0"/>
+              </a:rPr>
+              <a:t>kumpulan terorganisir dari informasi terstruktur, atau data, biasanya disimpan secara elektronik dalam sistem komputer</a:t>
+            </a:r>
+            <a:r>
+              <a:rPr lang="id-ID" b="0" i="0" dirty="0">
+                <a:solidFill>
+                  <a:srgbClr val="202124"/>
+                </a:solidFill>
+                <a:effectLst/>
+                <a:latin typeface="arial" panose="020B0604020202020204" pitchFamily="34" charset="0"/>
+              </a:rPr>
+              <a:t> . Sebuah database biasanya dikendalikan oleh sistem manajemen database (DBMS).</a:t>
+            </a:r>
+            <a:endParaRPr lang="id-ID" dirty="0"/>
           </a:p>
         </p:txBody>
       </p:sp>
-      <p:pic>
-        <p:nvPicPr>
-          <p:cNvPr id="7" name="Content Placeholder 6">
-            <a:extLst>
-              <a:ext uri="{FF2B5EF4-FFF2-40B4-BE49-F238E27FC236}">
-                <a16:creationId xmlns:a16="http://schemas.microsoft.com/office/drawing/2014/main" id="{736F1D42-6D6C-FC44-51E1-6F184A2847F0}"/>
-              </a:ext>
-            </a:extLst>
-          </p:cNvPr>
-          <p:cNvPicPr>
-            <a:picLocks noGrp="1" noChangeAspect="1"/>
-          </p:cNvPicPr>
-          <p:nvPr>
-            <p:ph idx="1"/>
-          </p:nvPr>
-        </p:nvPicPr>
-        <p:blipFill>
-          <a:blip r:embed="rId2">
-            <a:extLst>
-              <a:ext uri="{28A0092B-C50C-407E-A947-70E740481C1C}">
-                <a14:useLocalDpi xmlns:a14="http://schemas.microsoft.com/office/drawing/2010/main" val="0"/>
-              </a:ext>
-            </a:extLst>
-          </a:blip>
-          <a:stretch>
-            <a:fillRect/>
-          </a:stretch>
-        </p:blipFill>
-        <p:spPr>
-          <a:xfrm>
-            <a:off x="3671455" y="1825625"/>
-            <a:ext cx="5250872" cy="4351338"/>
-          </a:xfrm>
-        </p:spPr>
-      </p:pic>
     </p:spTree>
     <p:extLst>
       <p:ext uri="{BB962C8B-B14F-4D97-AF65-F5344CB8AC3E}">
-        <p14:creationId xmlns:p14="http://schemas.microsoft.com/office/powerpoint/2010/main" val="3345253459"/>
+        <p14:creationId xmlns:p14="http://schemas.microsoft.com/office/powerpoint/2010/main" val="3392390883"/>
       </p:ext>
     </p:extLst>
   </p:cSld>
@@ -3787,7 +3766,7 @@
           <p:cNvPr id="3" name="Content Placeholder 2">
             <a:extLst>
               <a:ext uri="{FF2B5EF4-FFF2-40B4-BE49-F238E27FC236}">
-                <a16:creationId xmlns:a16="http://schemas.microsoft.com/office/drawing/2014/main" id="{CDEE50E4-38F6-DD2C-6106-96A896161C43}"/>
+                <a16:creationId xmlns:a16="http://schemas.microsoft.com/office/drawing/2014/main" id="{1158F410-B152-CF63-3B45-91EF6AFED8FE}"/>
               </a:ext>
             </a:extLst>
           </p:cNvPr>
@@ -3795,13 +3774,13 @@
             <a:spLocks noGrp="1"/>
           </p:cNvSpPr>
           <p:nvPr>
-            <p:ph idx="1"/>
+            <p:ph sz="half" idx="1"/>
           </p:nvPr>
         </p:nvSpPr>
         <p:spPr>
           <a:xfrm>
-            <a:off x="838200" y="266700"/>
-            <a:ext cx="10515600" cy="5910263"/>
+            <a:off x="0" y="0"/>
+            <a:ext cx="6172200" cy="6858000"/>
           </a:xfrm>
         </p:spPr>
         <p:txBody>
@@ -3811,62 +3790,287 @@
             <a:pPr marL="0" indent="0" algn="ctr">
               <a:buNone/>
             </a:pPr>
-            <a:endParaRPr lang="id-ID" sz="4400" b="1" dirty="0"/>
+            <a:endParaRPr lang="id-ID" b="1" dirty="0"/>
           </a:p>
           <a:p>
             <a:pPr marL="0" indent="0" algn="ctr">
               <a:buNone/>
             </a:pPr>
             <a:r>
-              <a:rPr lang="id-ID" sz="4400" b="1" dirty="0"/>
-              <a:t>DATABASE</a:t>
-            </a:r>
-          </a:p>
-          <a:p>
-            <a:pPr marL="0" indent="0">
-              <a:lnSpc>
-                <a:spcPct val="200000"/>
-              </a:lnSpc>
-              <a:buNone/>
-            </a:pPr>
-            <a:r>
-              <a:rPr lang="id-ID" b="0" i="0" dirty="0">
-                <a:solidFill>
-                  <a:srgbClr val="202124"/>
-                </a:solidFill>
-                <a:effectLst/>
-                <a:latin typeface="arial" panose="020B0604020202020204" pitchFamily="34" charset="0"/>
-              </a:rPr>
-              <a:t>Database adalah </a:t>
-            </a:r>
-            <a:r>
-              <a:rPr lang="id-ID" b="1" i="0" dirty="0">
-                <a:solidFill>
-                  <a:srgbClr val="202124"/>
-                </a:solidFill>
-                <a:effectLst/>
-                <a:latin typeface="arial" panose="020B0604020202020204" pitchFamily="34" charset="0"/>
-              </a:rPr>
-              <a:t>kumpulan terorganisir dari informasi terstruktur, atau data, biasanya disimpan secara elektronik dalam sistem komputer</a:t>
-            </a:r>
-            <a:r>
-              <a:rPr lang="id-ID" b="0" i="0" dirty="0">
-                <a:solidFill>
-                  <a:srgbClr val="202124"/>
-                </a:solidFill>
-                <a:effectLst/>
-                <a:latin typeface="arial" panose="020B0604020202020204" pitchFamily="34" charset="0"/>
-              </a:rPr>
-              <a:t> . Sebuah database biasanya dikendalikan oleh sistem manajemen database (DBMS).</a:t>
-            </a:r>
-            <a:endParaRPr lang="id-ID" dirty="0"/>
+              <a:rPr lang="id-ID" b="1" dirty="0"/>
+              <a:t>SQL</a:t>
+            </a:r>
+          </a:p>
+          <a:p>
+            <a:pPr marL="0" indent="0" algn="ctr">
+              <a:buNone/>
+            </a:pPr>
+            <a:endParaRPr lang="id-ID" b="1" dirty="0"/>
           </a:p>
         </p:txBody>
       </p:sp>
+      <p:sp>
+        <p:nvSpPr>
+          <p:cNvPr id="4" name="Content Placeholder 3">
+            <a:extLst>
+              <a:ext uri="{FF2B5EF4-FFF2-40B4-BE49-F238E27FC236}">
+                <a16:creationId xmlns:a16="http://schemas.microsoft.com/office/drawing/2014/main" id="{30EF2115-3701-C930-FB4A-E8673BC2FB6F}"/>
+              </a:ext>
+            </a:extLst>
+          </p:cNvPr>
+          <p:cNvSpPr>
+            <a:spLocks noGrp="1"/>
+          </p:cNvSpPr>
+          <p:nvPr>
+            <p:ph sz="half" idx="2"/>
+          </p:nvPr>
+        </p:nvSpPr>
+        <p:spPr>
+          <a:xfrm>
+            <a:off x="6172200" y="0"/>
+            <a:ext cx="6019800" cy="6858000"/>
+          </a:xfrm>
+        </p:spPr>
+        <p:txBody>
+          <a:bodyPr/>
+          <a:lstStyle/>
+          <a:p>
+            <a:pPr marL="0" indent="0">
+              <a:buNone/>
+            </a:pPr>
+            <a:endParaRPr lang="id-ID" b="1" dirty="0"/>
+          </a:p>
+          <a:p>
+            <a:pPr marL="0" indent="0" algn="ctr">
+              <a:buNone/>
+            </a:pPr>
+            <a:r>
+              <a:rPr lang="id-ID" b="1" dirty="0"/>
+              <a:t>No SQL</a:t>
+            </a:r>
+          </a:p>
+        </p:txBody>
+      </p:sp>
+      <p:pic>
+        <p:nvPicPr>
+          <p:cNvPr id="6" name="Picture 5">
+            <a:extLst>
+              <a:ext uri="{FF2B5EF4-FFF2-40B4-BE49-F238E27FC236}">
+                <a16:creationId xmlns:a16="http://schemas.microsoft.com/office/drawing/2014/main" id="{D6F8B7F5-E0EF-CB8A-F300-DA1A3406DF59}"/>
+              </a:ext>
+            </a:extLst>
+          </p:cNvPr>
+          <p:cNvPicPr>
+            <a:picLocks noChangeAspect="1"/>
+          </p:cNvPicPr>
+          <p:nvPr/>
+        </p:nvPicPr>
+        <p:blipFill>
+          <a:blip r:embed="rId2">
+            <a:extLst>
+              <a:ext uri="{28A0092B-C50C-407E-A947-70E740481C1C}">
+                <a14:useLocalDpi xmlns:a14="http://schemas.microsoft.com/office/drawing/2010/main" val="0"/>
+              </a:ext>
+            </a:extLst>
+          </a:blip>
+          <a:stretch>
+            <a:fillRect/>
+          </a:stretch>
+        </p:blipFill>
+        <p:spPr>
+          <a:xfrm>
+            <a:off x="996662" y="2024495"/>
+            <a:ext cx="1926647" cy="1245178"/>
+          </a:xfrm>
+          <a:prstGeom prst="rect">
+            <a:avLst/>
+          </a:prstGeom>
+        </p:spPr>
+      </p:pic>
+      <p:pic>
+        <p:nvPicPr>
+          <p:cNvPr id="8" name="Picture 7">
+            <a:extLst>
+              <a:ext uri="{FF2B5EF4-FFF2-40B4-BE49-F238E27FC236}">
+                <a16:creationId xmlns:a16="http://schemas.microsoft.com/office/drawing/2014/main" id="{296CB572-A3EB-7034-61AC-62F81DFDF725}"/>
+              </a:ext>
+            </a:extLst>
+          </p:cNvPr>
+          <p:cNvPicPr>
+            <a:picLocks noChangeAspect="1"/>
+          </p:cNvPicPr>
+          <p:nvPr/>
+        </p:nvPicPr>
+        <p:blipFill>
+          <a:blip r:embed="rId3">
+            <a:extLst>
+              <a:ext uri="{28A0092B-C50C-407E-A947-70E740481C1C}">
+                <a14:useLocalDpi xmlns:a14="http://schemas.microsoft.com/office/drawing/2010/main" val="0"/>
+              </a:ext>
+            </a:extLst>
+          </a:blip>
+          <a:stretch>
+            <a:fillRect/>
+          </a:stretch>
+        </p:blipFill>
+        <p:spPr>
+          <a:xfrm>
+            <a:off x="1045155" y="3588327"/>
+            <a:ext cx="1545646" cy="1482437"/>
+          </a:xfrm>
+          <a:prstGeom prst="rect">
+            <a:avLst/>
+          </a:prstGeom>
+        </p:spPr>
+      </p:pic>
+      <p:pic>
+        <p:nvPicPr>
+          <p:cNvPr id="10" name="Picture 9">
+            <a:extLst>
+              <a:ext uri="{FF2B5EF4-FFF2-40B4-BE49-F238E27FC236}">
+                <a16:creationId xmlns:a16="http://schemas.microsoft.com/office/drawing/2014/main" id="{1040E3DA-CE53-56FA-EB80-06F07CD8076E}"/>
+              </a:ext>
+            </a:extLst>
+          </p:cNvPr>
+          <p:cNvPicPr>
+            <a:picLocks noChangeAspect="1"/>
+          </p:cNvPicPr>
+          <p:nvPr/>
+        </p:nvPicPr>
+        <p:blipFill>
+          <a:blip r:embed="rId4">
+            <a:extLst>
+              <a:ext uri="{28A0092B-C50C-407E-A947-70E740481C1C}">
+                <a14:useLocalDpi xmlns:a14="http://schemas.microsoft.com/office/drawing/2010/main" val="0"/>
+              </a:ext>
+            </a:extLst>
+          </a:blip>
+          <a:stretch>
+            <a:fillRect/>
+          </a:stretch>
+        </p:blipFill>
+        <p:spPr>
+          <a:xfrm>
+            <a:off x="2749694" y="3901786"/>
+            <a:ext cx="2667433" cy="1162050"/>
+          </a:xfrm>
+          <a:prstGeom prst="rect">
+            <a:avLst/>
+          </a:prstGeom>
+        </p:spPr>
+      </p:pic>
+      <p:pic>
+        <p:nvPicPr>
+          <p:cNvPr id="12" name="Picture 11">
+            <a:extLst>
+              <a:ext uri="{FF2B5EF4-FFF2-40B4-BE49-F238E27FC236}">
+                <a16:creationId xmlns:a16="http://schemas.microsoft.com/office/drawing/2014/main" id="{D1E87C3E-DD59-39F5-E1C4-FE82993074C4}"/>
+              </a:ext>
+            </a:extLst>
+          </p:cNvPr>
+          <p:cNvPicPr>
+            <a:picLocks noChangeAspect="1"/>
+          </p:cNvPicPr>
+          <p:nvPr/>
+        </p:nvPicPr>
+        <p:blipFill>
+          <a:blip r:embed="rId5">
+            <a:extLst>
+              <a:ext uri="{28A0092B-C50C-407E-A947-70E740481C1C}">
+                <a14:useLocalDpi xmlns:a14="http://schemas.microsoft.com/office/drawing/2010/main" val="0"/>
+              </a:ext>
+            </a:extLst>
+          </a:blip>
+          <a:stretch>
+            <a:fillRect/>
+          </a:stretch>
+        </p:blipFill>
+        <p:spPr>
+          <a:xfrm>
+            <a:off x="7277966" y="1119621"/>
+            <a:ext cx="2143125" cy="2143125"/>
+          </a:xfrm>
+          <a:prstGeom prst="rect">
+            <a:avLst/>
+          </a:prstGeom>
+        </p:spPr>
+      </p:pic>
+      <p:pic>
+        <p:nvPicPr>
+          <p:cNvPr id="14" name="Picture 13">
+            <a:extLst>
+              <a:ext uri="{FF2B5EF4-FFF2-40B4-BE49-F238E27FC236}">
+                <a16:creationId xmlns:a16="http://schemas.microsoft.com/office/drawing/2014/main" id="{6942FDB3-210A-0D44-CFCF-414FA5185090}"/>
+              </a:ext>
+            </a:extLst>
+          </p:cNvPr>
+          <p:cNvPicPr>
+            <a:picLocks noChangeAspect="1"/>
+          </p:cNvPicPr>
+          <p:nvPr/>
+        </p:nvPicPr>
+        <p:blipFill>
+          <a:blip r:embed="rId6">
+            <a:extLst>
+              <a:ext uri="{28A0092B-C50C-407E-A947-70E740481C1C}">
+                <a14:useLocalDpi xmlns:a14="http://schemas.microsoft.com/office/drawing/2010/main" val="0"/>
+              </a:ext>
+            </a:extLst>
+          </a:blip>
+          <a:stretch>
+            <a:fillRect/>
+          </a:stretch>
+        </p:blipFill>
+        <p:spPr>
+          <a:xfrm>
+            <a:off x="9182100" y="3054927"/>
+            <a:ext cx="2352676" cy="1111828"/>
+          </a:xfrm>
+          <a:prstGeom prst="rect">
+            <a:avLst/>
+          </a:prstGeom>
+        </p:spPr>
+      </p:pic>
+      <p:pic>
+        <p:nvPicPr>
+          <p:cNvPr id="16" name="Picture 15">
+            <a:extLst>
+              <a:ext uri="{FF2B5EF4-FFF2-40B4-BE49-F238E27FC236}">
+                <a16:creationId xmlns:a16="http://schemas.microsoft.com/office/drawing/2014/main" id="{95BDD2D9-A898-D3E9-E3C8-33CB3595B79F}"/>
+              </a:ext>
+            </a:extLst>
+          </p:cNvPr>
+          <p:cNvPicPr>
+            <a:picLocks noChangeAspect="1"/>
+          </p:cNvPicPr>
+          <p:nvPr/>
+        </p:nvPicPr>
+        <p:blipFill>
+          <a:blip r:embed="rId7">
+            <a:extLst>
+              <a:ext uri="{28A0092B-C50C-407E-A947-70E740481C1C}">
+                <a14:useLocalDpi xmlns:a14="http://schemas.microsoft.com/office/drawing/2010/main" val="0"/>
+              </a:ext>
+            </a:extLst>
+          </a:blip>
+          <a:stretch>
+            <a:fillRect/>
+          </a:stretch>
+        </p:blipFill>
+        <p:spPr>
+          <a:xfrm>
+            <a:off x="7065384" y="5070764"/>
+            <a:ext cx="2688215" cy="928254"/>
+          </a:xfrm>
+          <a:prstGeom prst="rect">
+            <a:avLst/>
+          </a:prstGeom>
+        </p:spPr>
+      </p:pic>
     </p:spTree>
     <p:extLst>
       <p:ext uri="{BB962C8B-B14F-4D97-AF65-F5344CB8AC3E}">
-        <p14:creationId xmlns:p14="http://schemas.microsoft.com/office/powerpoint/2010/main" val="3392390883"/>
+        <p14:creationId xmlns:p14="http://schemas.microsoft.com/office/powerpoint/2010/main" val="3550364122"/>
       </p:ext>
     </p:extLst>
   </p:cSld>
@@ -3895,10 +4099,10 @@
       </p:grpSpPr>
       <p:sp>
         <p:nvSpPr>
-          <p:cNvPr id="3" name="Content Placeholder 2">
-            <a:extLst>
-              <a:ext uri="{FF2B5EF4-FFF2-40B4-BE49-F238E27FC236}">
-                <a16:creationId xmlns:a16="http://schemas.microsoft.com/office/drawing/2014/main" id="{1158F410-B152-CF63-3B45-91EF6AFED8FE}"/>
+          <p:cNvPr id="6" name="Content Placeholder 5">
+            <a:extLst>
+              <a:ext uri="{FF2B5EF4-FFF2-40B4-BE49-F238E27FC236}">
+                <a16:creationId xmlns:a16="http://schemas.microsoft.com/office/drawing/2014/main" id="{8B60E224-2E94-CE3C-09F7-EA8AABE77AC0}"/>
               </a:ext>
             </a:extLst>
           </p:cNvPr>
@@ -3906,13 +4110,13 @@
             <a:spLocks noGrp="1"/>
           </p:cNvSpPr>
           <p:nvPr>
-            <p:ph sz="half" idx="1"/>
+            <p:ph idx="1"/>
           </p:nvPr>
         </p:nvSpPr>
         <p:spPr>
           <a:xfrm>
             <a:off x="0" y="0"/>
-            <a:ext cx="6172200" cy="6858000"/>
+            <a:ext cx="12192000" cy="6858000"/>
           </a:xfrm>
         </p:spPr>
         <p:txBody>
@@ -3922,287 +4126,89 @@
             <a:pPr marL="0" indent="0" algn="ctr">
               <a:buNone/>
             </a:pPr>
-            <a:endParaRPr lang="id-ID" b="1" dirty="0"/>
+            <a:endParaRPr lang="id-ID" dirty="0"/>
           </a:p>
           <a:p>
             <a:pPr marL="0" indent="0" algn="ctr">
               <a:buNone/>
             </a:pPr>
-            <a:r>
-              <a:rPr lang="id-ID" b="1" dirty="0"/>
-              <a:t>SQL</a:t>
-            </a:r>
+            <a:endParaRPr lang="id-ID" dirty="0"/>
           </a:p>
           <a:p>
             <a:pPr marL="0" indent="0" algn="ctr">
               <a:buNone/>
             </a:pPr>
-            <a:endParaRPr lang="id-ID" b="1" dirty="0"/>
+            <a:r>
+              <a:rPr lang="id-ID" sz="3200" b="1" dirty="0"/>
+              <a:t>REST API</a:t>
+            </a:r>
+          </a:p>
+          <a:p>
+            <a:pPr marL="0" indent="0" algn="ctr">
+              <a:buNone/>
+            </a:pPr>
+            <a:endParaRPr lang="id-ID" dirty="0"/>
+          </a:p>
+          <a:p>
+            <a:pPr marL="0" indent="0" algn="ctr">
+              <a:lnSpc>
+                <a:spcPct val="200000"/>
+              </a:lnSpc>
+              <a:buNone/>
+            </a:pPr>
+            <a:r>
+              <a:rPr lang="id-ID" b="0" i="0" dirty="0">
+                <a:solidFill>
+                  <a:srgbClr val="4D5156"/>
+                </a:solidFill>
+                <a:effectLst/>
+                <a:latin typeface="arial" panose="020B0604020202020204" pitchFamily="34" charset="0"/>
+              </a:rPr>
+              <a:t>REST, singkatan bahasa Inggris dari representational state transfer atau transfer keadaan representasi, adalah suatu gaya arsitektur perangkat lunak untuk untuk pendistribusian sistem hipermedia seperti WWW.</a:t>
+            </a:r>
+          </a:p>
+          <a:p>
+            <a:pPr marL="0" indent="0" algn="ctr">
+              <a:buNone/>
+            </a:pPr>
+            <a:endParaRPr lang="id-ID" dirty="0">
+              <a:solidFill>
+                <a:srgbClr val="4D5156"/>
+              </a:solidFill>
+              <a:latin typeface="arial" panose="020B0604020202020204" pitchFamily="34" charset="0"/>
+            </a:endParaRPr>
+          </a:p>
+          <a:p>
+            <a:pPr marL="0" indent="0" algn="ctr">
+              <a:buNone/>
+            </a:pPr>
+            <a:r>
+              <a:rPr lang="id-ID" dirty="0">
+                <a:solidFill>
+                  <a:srgbClr val="4D5156"/>
+                </a:solidFill>
+                <a:latin typeface="arial" panose="020B0604020202020204" pitchFamily="34" charset="0"/>
+              </a:rPr>
+              <a:t>Sc.</a:t>
+            </a:r>
+            <a:r>
+              <a:rPr lang="id-ID" dirty="0">
+                <a:solidFill>
+                  <a:srgbClr val="4D5156"/>
+                </a:solidFill>
+                <a:latin typeface="arial" panose="020B0604020202020204" pitchFamily="34" charset="0"/>
+                <a:hlinkClick r:id="rId2"/>
+              </a:rPr>
+              <a:t>https://id.wikipedia.org/wiki/REST</a:t>
+            </a:r>
+            <a:endParaRPr lang="id-ID" dirty="0"/>
           </a:p>
         </p:txBody>
       </p:sp>
-      <p:sp>
-        <p:nvSpPr>
-          <p:cNvPr id="4" name="Content Placeholder 3">
-            <a:extLst>
-              <a:ext uri="{FF2B5EF4-FFF2-40B4-BE49-F238E27FC236}">
-                <a16:creationId xmlns:a16="http://schemas.microsoft.com/office/drawing/2014/main" id="{30EF2115-3701-C930-FB4A-E8673BC2FB6F}"/>
-              </a:ext>
-            </a:extLst>
-          </p:cNvPr>
-          <p:cNvSpPr>
-            <a:spLocks noGrp="1"/>
-          </p:cNvSpPr>
-          <p:nvPr>
-            <p:ph sz="half" idx="2"/>
-          </p:nvPr>
-        </p:nvSpPr>
-        <p:spPr>
-          <a:xfrm>
-            <a:off x="6172200" y="0"/>
-            <a:ext cx="6019800" cy="6858000"/>
-          </a:xfrm>
-        </p:spPr>
-        <p:txBody>
-          <a:bodyPr/>
-          <a:lstStyle/>
-          <a:p>
-            <a:pPr marL="0" indent="0">
-              <a:buNone/>
-            </a:pPr>
-            <a:endParaRPr lang="id-ID" b="1" dirty="0"/>
-          </a:p>
-          <a:p>
-            <a:pPr marL="0" indent="0" algn="ctr">
-              <a:buNone/>
-            </a:pPr>
-            <a:r>
-              <a:rPr lang="id-ID" b="1" dirty="0"/>
-              <a:t>No SQL</a:t>
-            </a:r>
-          </a:p>
-        </p:txBody>
-      </p:sp>
-      <p:pic>
-        <p:nvPicPr>
-          <p:cNvPr id="6" name="Picture 5">
-            <a:extLst>
-              <a:ext uri="{FF2B5EF4-FFF2-40B4-BE49-F238E27FC236}">
-                <a16:creationId xmlns:a16="http://schemas.microsoft.com/office/drawing/2014/main" id="{D6F8B7F5-E0EF-CB8A-F300-DA1A3406DF59}"/>
-              </a:ext>
-            </a:extLst>
-          </p:cNvPr>
-          <p:cNvPicPr>
-            <a:picLocks noChangeAspect="1"/>
-          </p:cNvPicPr>
-          <p:nvPr/>
-        </p:nvPicPr>
-        <p:blipFill>
-          <a:blip r:embed="rId2">
-            <a:extLst>
-              <a:ext uri="{28A0092B-C50C-407E-A947-70E740481C1C}">
-                <a14:useLocalDpi xmlns:a14="http://schemas.microsoft.com/office/drawing/2010/main" val="0"/>
-              </a:ext>
-            </a:extLst>
-          </a:blip>
-          <a:stretch>
-            <a:fillRect/>
-          </a:stretch>
-        </p:blipFill>
-        <p:spPr>
-          <a:xfrm>
-            <a:off x="996662" y="2024495"/>
-            <a:ext cx="1926647" cy="1245178"/>
-          </a:xfrm>
-          <a:prstGeom prst="rect">
-            <a:avLst/>
-          </a:prstGeom>
-        </p:spPr>
-      </p:pic>
-      <p:pic>
-        <p:nvPicPr>
-          <p:cNvPr id="8" name="Picture 7">
-            <a:extLst>
-              <a:ext uri="{FF2B5EF4-FFF2-40B4-BE49-F238E27FC236}">
-                <a16:creationId xmlns:a16="http://schemas.microsoft.com/office/drawing/2014/main" id="{296CB572-A3EB-7034-61AC-62F81DFDF725}"/>
-              </a:ext>
-            </a:extLst>
-          </p:cNvPr>
-          <p:cNvPicPr>
-            <a:picLocks noChangeAspect="1"/>
-          </p:cNvPicPr>
-          <p:nvPr/>
-        </p:nvPicPr>
-        <p:blipFill>
-          <a:blip r:embed="rId3">
-            <a:extLst>
-              <a:ext uri="{28A0092B-C50C-407E-A947-70E740481C1C}">
-                <a14:useLocalDpi xmlns:a14="http://schemas.microsoft.com/office/drawing/2010/main" val="0"/>
-              </a:ext>
-            </a:extLst>
-          </a:blip>
-          <a:stretch>
-            <a:fillRect/>
-          </a:stretch>
-        </p:blipFill>
-        <p:spPr>
-          <a:xfrm>
-            <a:off x="1045155" y="3588327"/>
-            <a:ext cx="1545646" cy="1482437"/>
-          </a:xfrm>
-          <a:prstGeom prst="rect">
-            <a:avLst/>
-          </a:prstGeom>
-        </p:spPr>
-      </p:pic>
-      <p:pic>
-        <p:nvPicPr>
-          <p:cNvPr id="10" name="Picture 9">
-            <a:extLst>
-              <a:ext uri="{FF2B5EF4-FFF2-40B4-BE49-F238E27FC236}">
-                <a16:creationId xmlns:a16="http://schemas.microsoft.com/office/drawing/2014/main" id="{1040E3DA-CE53-56FA-EB80-06F07CD8076E}"/>
-              </a:ext>
-            </a:extLst>
-          </p:cNvPr>
-          <p:cNvPicPr>
-            <a:picLocks noChangeAspect="1"/>
-          </p:cNvPicPr>
-          <p:nvPr/>
-        </p:nvPicPr>
-        <p:blipFill>
-          <a:blip r:embed="rId4">
-            <a:extLst>
-              <a:ext uri="{28A0092B-C50C-407E-A947-70E740481C1C}">
-                <a14:useLocalDpi xmlns:a14="http://schemas.microsoft.com/office/drawing/2010/main" val="0"/>
-              </a:ext>
-            </a:extLst>
-          </a:blip>
-          <a:stretch>
-            <a:fillRect/>
-          </a:stretch>
-        </p:blipFill>
-        <p:spPr>
-          <a:xfrm>
-            <a:off x="2749694" y="3901786"/>
-            <a:ext cx="2667433" cy="1162050"/>
-          </a:xfrm>
-          <a:prstGeom prst="rect">
-            <a:avLst/>
-          </a:prstGeom>
-        </p:spPr>
-      </p:pic>
-      <p:pic>
-        <p:nvPicPr>
-          <p:cNvPr id="12" name="Picture 11">
-            <a:extLst>
-              <a:ext uri="{FF2B5EF4-FFF2-40B4-BE49-F238E27FC236}">
-                <a16:creationId xmlns:a16="http://schemas.microsoft.com/office/drawing/2014/main" id="{D1E87C3E-DD59-39F5-E1C4-FE82993074C4}"/>
-              </a:ext>
-            </a:extLst>
-          </p:cNvPr>
-          <p:cNvPicPr>
-            <a:picLocks noChangeAspect="1"/>
-          </p:cNvPicPr>
-          <p:nvPr/>
-        </p:nvPicPr>
-        <p:blipFill>
-          <a:blip r:embed="rId5">
-            <a:extLst>
-              <a:ext uri="{28A0092B-C50C-407E-A947-70E740481C1C}">
-                <a14:useLocalDpi xmlns:a14="http://schemas.microsoft.com/office/drawing/2010/main" val="0"/>
-              </a:ext>
-            </a:extLst>
-          </a:blip>
-          <a:stretch>
-            <a:fillRect/>
-          </a:stretch>
-        </p:blipFill>
-        <p:spPr>
-          <a:xfrm>
-            <a:off x="7277966" y="1119621"/>
-            <a:ext cx="2143125" cy="2143125"/>
-          </a:xfrm>
-          <a:prstGeom prst="rect">
-            <a:avLst/>
-          </a:prstGeom>
-        </p:spPr>
-      </p:pic>
-      <p:pic>
-        <p:nvPicPr>
-          <p:cNvPr id="14" name="Picture 13">
-            <a:extLst>
-              <a:ext uri="{FF2B5EF4-FFF2-40B4-BE49-F238E27FC236}">
-                <a16:creationId xmlns:a16="http://schemas.microsoft.com/office/drawing/2014/main" id="{6942FDB3-210A-0D44-CFCF-414FA5185090}"/>
-              </a:ext>
-            </a:extLst>
-          </p:cNvPr>
-          <p:cNvPicPr>
-            <a:picLocks noChangeAspect="1"/>
-          </p:cNvPicPr>
-          <p:nvPr/>
-        </p:nvPicPr>
-        <p:blipFill>
-          <a:blip r:embed="rId6">
-            <a:extLst>
-              <a:ext uri="{28A0092B-C50C-407E-A947-70E740481C1C}">
-                <a14:useLocalDpi xmlns:a14="http://schemas.microsoft.com/office/drawing/2010/main" val="0"/>
-              </a:ext>
-            </a:extLst>
-          </a:blip>
-          <a:stretch>
-            <a:fillRect/>
-          </a:stretch>
-        </p:blipFill>
-        <p:spPr>
-          <a:xfrm>
-            <a:off x="9182100" y="3054927"/>
-            <a:ext cx="2352676" cy="1111828"/>
-          </a:xfrm>
-          <a:prstGeom prst="rect">
-            <a:avLst/>
-          </a:prstGeom>
-        </p:spPr>
-      </p:pic>
-      <p:pic>
-        <p:nvPicPr>
-          <p:cNvPr id="16" name="Picture 15">
-            <a:extLst>
-              <a:ext uri="{FF2B5EF4-FFF2-40B4-BE49-F238E27FC236}">
-                <a16:creationId xmlns:a16="http://schemas.microsoft.com/office/drawing/2014/main" id="{95BDD2D9-A898-D3E9-E3C8-33CB3595B79F}"/>
-              </a:ext>
-            </a:extLst>
-          </p:cNvPr>
-          <p:cNvPicPr>
-            <a:picLocks noChangeAspect="1"/>
-          </p:cNvPicPr>
-          <p:nvPr/>
-        </p:nvPicPr>
-        <p:blipFill>
-          <a:blip r:embed="rId7">
-            <a:extLst>
-              <a:ext uri="{28A0092B-C50C-407E-A947-70E740481C1C}">
-                <a14:useLocalDpi xmlns:a14="http://schemas.microsoft.com/office/drawing/2010/main" val="0"/>
-              </a:ext>
-            </a:extLst>
-          </a:blip>
-          <a:stretch>
-            <a:fillRect/>
-          </a:stretch>
-        </p:blipFill>
-        <p:spPr>
-          <a:xfrm>
-            <a:off x="7065384" y="5070764"/>
-            <a:ext cx="2688215" cy="928254"/>
-          </a:xfrm>
-          <a:prstGeom prst="rect">
-            <a:avLst/>
-          </a:prstGeom>
-        </p:spPr>
-      </p:pic>
     </p:spTree>
     <p:extLst>
       <p:ext uri="{BB962C8B-B14F-4D97-AF65-F5344CB8AC3E}">
-        <p14:creationId xmlns:p14="http://schemas.microsoft.com/office/powerpoint/2010/main" val="3550364122"/>
+        <p14:creationId xmlns:p14="http://schemas.microsoft.com/office/powerpoint/2010/main" val="3667532987"/>
       </p:ext>
     </p:extLst>
   </p:cSld>
@@ -4234,144 +4240,6 @@
           <p:cNvPr id="6" name="Content Placeholder 5">
             <a:extLst>
               <a:ext uri="{FF2B5EF4-FFF2-40B4-BE49-F238E27FC236}">
-                <a16:creationId xmlns:a16="http://schemas.microsoft.com/office/drawing/2014/main" id="{8B60E224-2E94-CE3C-09F7-EA8AABE77AC0}"/>
-              </a:ext>
-            </a:extLst>
-          </p:cNvPr>
-          <p:cNvSpPr>
-            <a:spLocks noGrp="1"/>
-          </p:cNvSpPr>
-          <p:nvPr>
-            <p:ph idx="1"/>
-          </p:nvPr>
-        </p:nvSpPr>
-        <p:spPr>
-          <a:xfrm>
-            <a:off x="0" y="0"/>
-            <a:ext cx="12192000" cy="6858000"/>
-          </a:xfrm>
-        </p:spPr>
-        <p:txBody>
-          <a:bodyPr/>
-          <a:lstStyle/>
-          <a:p>
-            <a:pPr marL="0" indent="0" algn="ctr">
-              <a:buNone/>
-            </a:pPr>
-            <a:endParaRPr lang="id-ID" dirty="0"/>
-          </a:p>
-          <a:p>
-            <a:pPr marL="0" indent="0" algn="ctr">
-              <a:buNone/>
-            </a:pPr>
-            <a:endParaRPr lang="id-ID" dirty="0"/>
-          </a:p>
-          <a:p>
-            <a:pPr marL="0" indent="0" algn="ctr">
-              <a:buNone/>
-            </a:pPr>
-            <a:r>
-              <a:rPr lang="id-ID" sz="3200" b="1" dirty="0"/>
-              <a:t>REST API</a:t>
-            </a:r>
-          </a:p>
-          <a:p>
-            <a:pPr marL="0" indent="0" algn="ctr">
-              <a:buNone/>
-            </a:pPr>
-            <a:endParaRPr lang="id-ID" dirty="0"/>
-          </a:p>
-          <a:p>
-            <a:pPr marL="0" indent="0" algn="ctr">
-              <a:lnSpc>
-                <a:spcPct val="200000"/>
-              </a:lnSpc>
-              <a:buNone/>
-            </a:pPr>
-            <a:r>
-              <a:rPr lang="id-ID" b="0" i="0" dirty="0">
-                <a:solidFill>
-                  <a:srgbClr val="4D5156"/>
-                </a:solidFill>
-                <a:effectLst/>
-                <a:latin typeface="arial" panose="020B0604020202020204" pitchFamily="34" charset="0"/>
-              </a:rPr>
-              <a:t>REST, singkatan bahasa Inggris dari representational state transfer atau transfer keadaan representasi, adalah suatu gaya arsitektur perangkat lunak untuk untuk pendistribusian sistem hipermedia seperti WWW.</a:t>
-            </a:r>
-          </a:p>
-          <a:p>
-            <a:pPr marL="0" indent="0" algn="ctr">
-              <a:buNone/>
-            </a:pPr>
-            <a:endParaRPr lang="id-ID" dirty="0">
-              <a:solidFill>
-                <a:srgbClr val="4D5156"/>
-              </a:solidFill>
-              <a:latin typeface="arial" panose="020B0604020202020204" pitchFamily="34" charset="0"/>
-            </a:endParaRPr>
-          </a:p>
-          <a:p>
-            <a:pPr marL="0" indent="0" algn="ctr">
-              <a:buNone/>
-            </a:pPr>
-            <a:r>
-              <a:rPr lang="id-ID" dirty="0">
-                <a:solidFill>
-                  <a:srgbClr val="4D5156"/>
-                </a:solidFill>
-                <a:latin typeface="arial" panose="020B0604020202020204" pitchFamily="34" charset="0"/>
-              </a:rPr>
-              <a:t>Sc.</a:t>
-            </a:r>
-            <a:r>
-              <a:rPr lang="id-ID" dirty="0">
-                <a:solidFill>
-                  <a:srgbClr val="4D5156"/>
-                </a:solidFill>
-                <a:latin typeface="arial" panose="020B0604020202020204" pitchFamily="34" charset="0"/>
-                <a:hlinkClick r:id="rId2"/>
-              </a:rPr>
-              <a:t>https://id.wikipedia.org/wiki/REST</a:t>
-            </a:r>
-            <a:endParaRPr lang="id-ID" dirty="0"/>
-          </a:p>
-        </p:txBody>
-      </p:sp>
-    </p:spTree>
-    <p:extLst>
-      <p:ext uri="{BB962C8B-B14F-4D97-AF65-F5344CB8AC3E}">
-        <p14:creationId xmlns:p14="http://schemas.microsoft.com/office/powerpoint/2010/main" val="3667532987"/>
-      </p:ext>
-    </p:extLst>
-  </p:cSld>
-  <p:clrMapOvr>
-    <a:masterClrMapping/>
-  </p:clrMapOvr>
-</p:sld>
-</file>
-
-<file path=ppt/slides/slide15.xml><?xml version="1.0" encoding="utf-8"?>
-<p:sld xmlns:a="http://schemas.openxmlformats.org/drawingml/2006/main" xmlns:r="http://schemas.openxmlformats.org/officeDocument/2006/relationships" xmlns:p="http://schemas.openxmlformats.org/presentationml/2006/main">
-  <p:cSld>
-    <p:spTree>
-      <p:nvGrpSpPr>
-        <p:cNvPr id="1" name=""/>
-        <p:cNvGrpSpPr/>
-        <p:nvPr/>
-      </p:nvGrpSpPr>
-      <p:grpSpPr>
-        <a:xfrm>
-          <a:off x="0" y="0"/>
-          <a:ext cx="0" cy="0"/>
-          <a:chOff x="0" y="0"/>
-          <a:chExt cx="0" cy="0"/>
-        </a:xfrm>
-      </p:grpSpPr>
-      <p:sp>
-        <p:nvSpPr>
-          <p:cNvPr id="6" name="Content Placeholder 5">
-            <a:extLst>
-              <a:ext uri="{FF2B5EF4-FFF2-40B4-BE49-F238E27FC236}">
                 <a16:creationId xmlns:a16="http://schemas.microsoft.com/office/drawing/2014/main" id="{133356F3-5B26-421F-D819-666EBB5EE55A}"/>
               </a:ext>
             </a:extLst>
@@ -4488,7 +4356,7 @@
 </p:sld>
 </file>
 
-<file path=ppt/slides/slide16.xml><?xml version="1.0" encoding="utf-8"?>
+<file path=ppt/slides/slide15.xml><?xml version="1.0" encoding="utf-8"?>
 <p:sld xmlns:a="http://schemas.openxmlformats.org/drawingml/2006/main" xmlns:r="http://schemas.openxmlformats.org/officeDocument/2006/relationships" xmlns:p="http://schemas.openxmlformats.org/presentationml/2006/main">
   <p:cSld>
     <p:bg>
@@ -4626,7 +4494,7 @@
 </p:sld>
 </file>
 
-<file path=ppt/slides/slide17.xml><?xml version="1.0" encoding="utf-8"?>
+<file path=ppt/slides/slide16.xml><?xml version="1.0" encoding="utf-8"?>
 <p:sld xmlns:a="http://schemas.openxmlformats.org/drawingml/2006/main" xmlns:r="http://schemas.openxmlformats.org/officeDocument/2006/relationships" xmlns:p="http://schemas.openxmlformats.org/presentationml/2006/main">
   <p:cSld>
     <p:spTree>
@@ -4926,7 +4794,7 @@
 </p:sld>
 </file>
 
-<file path=ppt/slides/slide18.xml><?xml version="1.0" encoding="utf-8"?>
+<file path=ppt/slides/slide17.xml><?xml version="1.0" encoding="utf-8"?>
 <p:sld xmlns:a="http://schemas.openxmlformats.org/drawingml/2006/main" xmlns:r="http://schemas.openxmlformats.org/officeDocument/2006/relationships" xmlns:p="http://schemas.openxmlformats.org/presentationml/2006/main">
   <p:cSld>
     <p:spTree>
@@ -5093,6 +4961,826 @@
     <p:extLst>
       <p:ext uri="{BB962C8B-B14F-4D97-AF65-F5344CB8AC3E}">
         <p14:creationId xmlns:p14="http://schemas.microsoft.com/office/powerpoint/2010/main" val="22911323"/>
+      </p:ext>
+    </p:extLst>
+  </p:cSld>
+  <p:clrMapOvr>
+    <a:masterClrMapping/>
+  </p:clrMapOvr>
+</p:sld>
+</file>
+
+<file path=ppt/slides/slide18.xml><?xml version="1.0" encoding="utf-8"?>
+<p:sld xmlns:a="http://schemas.openxmlformats.org/drawingml/2006/main" xmlns:r="http://schemas.openxmlformats.org/officeDocument/2006/relationships" xmlns:p="http://schemas.openxmlformats.org/presentationml/2006/main">
+  <p:cSld>
+    <p:bg>
+      <p:bgPr>
+        <a:solidFill>
+          <a:schemeClr val="tx1"/>
+        </a:solidFill>
+        <a:effectLst/>
+      </p:bgPr>
+    </p:bg>
+    <p:spTree>
+      <p:nvGrpSpPr>
+        <p:cNvPr id="1" name=""/>
+        <p:cNvGrpSpPr/>
+        <p:nvPr/>
+      </p:nvGrpSpPr>
+      <p:grpSpPr>
+        <a:xfrm>
+          <a:off x="0" y="0"/>
+          <a:ext cx="0" cy="0"/>
+          <a:chOff x="0" y="0"/>
+          <a:chExt cx="0" cy="0"/>
+        </a:xfrm>
+      </p:grpSpPr>
+      <p:sp>
+        <p:nvSpPr>
+          <p:cNvPr id="4" name="Content Placeholder 3">
+            <a:extLst>
+              <a:ext uri="{FF2B5EF4-FFF2-40B4-BE49-F238E27FC236}">
+                <a16:creationId xmlns:a16="http://schemas.microsoft.com/office/drawing/2014/main" id="{A35B7033-B374-D487-6B37-1E9D772D7CB8}"/>
+              </a:ext>
+            </a:extLst>
+          </p:cNvPr>
+          <p:cNvSpPr>
+            <a:spLocks noGrp="1"/>
+          </p:cNvSpPr>
+          <p:nvPr>
+            <p:ph idx="1"/>
+          </p:nvPr>
+        </p:nvSpPr>
+        <p:spPr>
+          <a:xfrm>
+            <a:off x="0" y="0"/>
+            <a:ext cx="12192000" cy="6858000"/>
+          </a:xfrm>
+        </p:spPr>
+        <p:txBody>
+          <a:bodyPr>
+            <a:normAutofit lnSpcReduction="10000"/>
+          </a:bodyPr>
+          <a:lstStyle/>
+          <a:p>
+            <a:pPr marL="0" indent="0">
+              <a:buNone/>
+            </a:pPr>
+            <a:endParaRPr lang="id-ID" dirty="0"/>
+          </a:p>
+          <a:p>
+            <a:pPr marL="0" indent="0">
+              <a:buNone/>
+            </a:pPr>
+            <a:r>
+              <a:rPr lang="id-ID" sz="2600" dirty="0">
+                <a:solidFill>
+                  <a:srgbClr val="569CD6"/>
+                </a:solidFill>
+                <a:latin typeface="Consolas" panose="020B0609020204030204" pitchFamily="49" charset="0"/>
+              </a:rPr>
+              <a:t>  </a:t>
+            </a:r>
+            <a:r>
+              <a:rPr lang="id-ID" sz="2600" b="0" dirty="0">
+                <a:solidFill>
+                  <a:srgbClr val="569CD6"/>
+                </a:solidFill>
+                <a:effectLst/>
+                <a:latin typeface="Consolas" panose="020B0609020204030204" pitchFamily="49" charset="0"/>
+              </a:rPr>
+              <a:t>public</a:t>
+            </a:r>
+            <a:r>
+              <a:rPr lang="id-ID" sz="2600" b="0" dirty="0">
+                <a:solidFill>
+                  <a:srgbClr val="D4D4D4"/>
+                </a:solidFill>
+                <a:effectLst/>
+                <a:latin typeface="Consolas" panose="020B0609020204030204" pitchFamily="49" charset="0"/>
+              </a:rPr>
+              <a:t> </a:t>
+            </a:r>
+            <a:r>
+              <a:rPr lang="id-ID" sz="2600" b="0" dirty="0">
+                <a:solidFill>
+                  <a:srgbClr val="569CD6"/>
+                </a:solidFill>
+                <a:effectLst/>
+                <a:latin typeface="Consolas" panose="020B0609020204030204" pitchFamily="49" charset="0"/>
+              </a:rPr>
+              <a:t>function</a:t>
+            </a:r>
+            <a:r>
+              <a:rPr lang="id-ID" sz="2600" b="0" dirty="0">
+                <a:solidFill>
+                  <a:srgbClr val="D4D4D4"/>
+                </a:solidFill>
+                <a:effectLst/>
+                <a:latin typeface="Consolas" panose="020B0609020204030204" pitchFamily="49" charset="0"/>
+              </a:rPr>
+              <a:t> </a:t>
+            </a:r>
+            <a:r>
+              <a:rPr lang="id-ID" sz="2600" b="0" dirty="0">
+                <a:solidFill>
+                  <a:srgbClr val="DCDCAA"/>
+                </a:solidFill>
+                <a:effectLst/>
+                <a:latin typeface="Consolas" panose="020B0609020204030204" pitchFamily="49" charset="0"/>
+              </a:rPr>
+              <a:t>index</a:t>
+            </a:r>
+            <a:r>
+              <a:rPr lang="id-ID" sz="2600" b="0" dirty="0">
+                <a:solidFill>
+                  <a:srgbClr val="D4D4D4"/>
+                </a:solidFill>
+                <a:effectLst/>
+                <a:latin typeface="Consolas" panose="020B0609020204030204" pitchFamily="49" charset="0"/>
+              </a:rPr>
+              <a:t>()</a:t>
+            </a:r>
+          </a:p>
+          <a:p>
+            <a:pPr marL="0" indent="0">
+              <a:buNone/>
+            </a:pPr>
+            <a:r>
+              <a:rPr lang="id-ID" sz="2600" b="0" dirty="0">
+                <a:solidFill>
+                  <a:srgbClr val="D4D4D4"/>
+                </a:solidFill>
+                <a:effectLst/>
+                <a:latin typeface="Consolas" panose="020B0609020204030204" pitchFamily="49" charset="0"/>
+              </a:rPr>
+              <a:t>    {</a:t>
+            </a:r>
+          </a:p>
+          <a:p>
+            <a:pPr marL="0" indent="0">
+              <a:buNone/>
+            </a:pPr>
+            <a:r>
+              <a:rPr lang="id-ID" sz="2600" b="0" dirty="0">
+                <a:solidFill>
+                  <a:srgbClr val="D4D4D4"/>
+                </a:solidFill>
+                <a:effectLst/>
+                <a:latin typeface="Consolas" panose="020B0609020204030204" pitchFamily="49" charset="0"/>
+              </a:rPr>
+              <a:t>        </a:t>
+            </a:r>
+            <a:r>
+              <a:rPr lang="id-ID" sz="2600" b="0" dirty="0">
+                <a:solidFill>
+                  <a:srgbClr val="C586C0"/>
+                </a:solidFill>
+                <a:effectLst/>
+                <a:latin typeface="Consolas" panose="020B0609020204030204" pitchFamily="49" charset="0"/>
+              </a:rPr>
+              <a:t>try</a:t>
+            </a:r>
+            <a:r>
+              <a:rPr lang="id-ID" sz="2600" b="0" dirty="0">
+                <a:solidFill>
+                  <a:srgbClr val="D4D4D4"/>
+                </a:solidFill>
+                <a:effectLst/>
+                <a:latin typeface="Consolas" panose="020B0609020204030204" pitchFamily="49" charset="0"/>
+              </a:rPr>
+              <a:t> {</a:t>
+            </a:r>
+          </a:p>
+          <a:p>
+            <a:pPr marL="457200" lvl="1" indent="0">
+              <a:buNone/>
+            </a:pPr>
+            <a:r>
+              <a:rPr lang="id-ID" sz="2200" b="0" dirty="0">
+                <a:solidFill>
+                  <a:srgbClr val="D4D4D4"/>
+                </a:solidFill>
+                <a:effectLst/>
+                <a:latin typeface="Consolas" panose="020B0609020204030204" pitchFamily="49" charset="0"/>
+              </a:rPr>
+              <a:t>            </a:t>
+            </a:r>
+            <a:r>
+              <a:rPr lang="id-ID" sz="2200" b="0" dirty="0">
+                <a:solidFill>
+                  <a:srgbClr val="9CDCFE"/>
+                </a:solidFill>
+                <a:effectLst/>
+                <a:latin typeface="Consolas" panose="020B0609020204030204" pitchFamily="49" charset="0"/>
+              </a:rPr>
+              <a:t>$data_siswa</a:t>
+            </a:r>
+            <a:r>
+              <a:rPr lang="id-ID" sz="2200" b="0" dirty="0">
+                <a:solidFill>
+                  <a:srgbClr val="D4D4D4"/>
+                </a:solidFill>
+                <a:effectLst/>
+                <a:latin typeface="Consolas" panose="020B0609020204030204" pitchFamily="49" charset="0"/>
+              </a:rPr>
+              <a:t> = </a:t>
+            </a:r>
+            <a:r>
+              <a:rPr lang="id-ID" sz="2200" b="0" dirty="0">
+                <a:solidFill>
+                  <a:srgbClr val="4EC9B0"/>
+                </a:solidFill>
+                <a:effectLst/>
+                <a:latin typeface="Consolas" panose="020B0609020204030204" pitchFamily="49" charset="0"/>
+              </a:rPr>
+              <a:t>Siswa</a:t>
+            </a:r>
+            <a:r>
+              <a:rPr lang="id-ID" sz="2200" b="0" dirty="0">
+                <a:solidFill>
+                  <a:srgbClr val="D4D4D4"/>
+                </a:solidFill>
+                <a:effectLst/>
+                <a:latin typeface="Consolas" panose="020B0609020204030204" pitchFamily="49" charset="0"/>
+              </a:rPr>
+              <a:t>::</a:t>
+            </a:r>
+            <a:r>
+              <a:rPr lang="id-ID" sz="2200" b="0" dirty="0">
+                <a:solidFill>
+                  <a:srgbClr val="DCDCAA"/>
+                </a:solidFill>
+                <a:effectLst/>
+                <a:latin typeface="Consolas" panose="020B0609020204030204" pitchFamily="49" charset="0"/>
+              </a:rPr>
+              <a:t>orderBy</a:t>
+            </a:r>
+            <a:r>
+              <a:rPr lang="id-ID" sz="2200" b="0" dirty="0">
+                <a:solidFill>
+                  <a:srgbClr val="D4D4D4"/>
+                </a:solidFill>
+                <a:effectLst/>
+                <a:latin typeface="Consolas" panose="020B0609020204030204" pitchFamily="49" charset="0"/>
+              </a:rPr>
+              <a:t>(</a:t>
+            </a:r>
+            <a:r>
+              <a:rPr lang="id-ID" sz="2200" b="0" dirty="0">
+                <a:solidFill>
+                  <a:srgbClr val="CE9178"/>
+                </a:solidFill>
+                <a:effectLst/>
+                <a:latin typeface="Consolas" panose="020B0609020204030204" pitchFamily="49" charset="0"/>
+              </a:rPr>
+              <a:t>'id'</a:t>
+            </a:r>
+            <a:r>
+              <a:rPr lang="id-ID" sz="2200" b="0" dirty="0">
+                <a:solidFill>
+                  <a:srgbClr val="D4D4D4"/>
+                </a:solidFill>
+                <a:effectLst/>
+                <a:latin typeface="Consolas" panose="020B0609020204030204" pitchFamily="49" charset="0"/>
+              </a:rPr>
+              <a:t>,</a:t>
+            </a:r>
+            <a:r>
+              <a:rPr lang="id-ID" sz="2200" b="0" dirty="0">
+                <a:solidFill>
+                  <a:srgbClr val="CE9178"/>
+                </a:solidFill>
+                <a:effectLst/>
+                <a:latin typeface="Consolas" panose="020B0609020204030204" pitchFamily="49" charset="0"/>
+              </a:rPr>
+              <a:t>'desc'</a:t>
+            </a:r>
+            <a:r>
+              <a:rPr lang="id-ID" sz="2200" b="0" dirty="0">
+                <a:solidFill>
+                  <a:srgbClr val="D4D4D4"/>
+                </a:solidFill>
+                <a:effectLst/>
+                <a:latin typeface="Consolas" panose="020B0609020204030204" pitchFamily="49" charset="0"/>
+              </a:rPr>
+              <a:t>)-&gt;</a:t>
+            </a:r>
+            <a:r>
+              <a:rPr lang="id-ID" sz="2200" b="0" dirty="0">
+                <a:solidFill>
+                  <a:srgbClr val="DCDCAA"/>
+                </a:solidFill>
+                <a:effectLst/>
+                <a:latin typeface="Consolas" panose="020B0609020204030204" pitchFamily="49" charset="0"/>
+              </a:rPr>
+              <a:t>get</a:t>
+            </a:r>
+            <a:r>
+              <a:rPr lang="id-ID" sz="2200" b="0" dirty="0">
+                <a:solidFill>
+                  <a:srgbClr val="D4D4D4"/>
+                </a:solidFill>
+                <a:effectLst/>
+                <a:latin typeface="Consolas" panose="020B0609020204030204" pitchFamily="49" charset="0"/>
+              </a:rPr>
+              <a:t>();</a:t>
+            </a:r>
+          </a:p>
+          <a:p>
+            <a:pPr marL="457200" lvl="1" indent="0">
+              <a:buNone/>
+            </a:pPr>
+            <a:r>
+              <a:rPr lang="id-ID" sz="2200" b="0" dirty="0">
+                <a:solidFill>
+                  <a:srgbClr val="D4D4D4"/>
+                </a:solidFill>
+                <a:effectLst/>
+                <a:latin typeface="Consolas" panose="020B0609020204030204" pitchFamily="49" charset="0"/>
+              </a:rPr>
+              <a:t>            </a:t>
+            </a:r>
+            <a:r>
+              <a:rPr lang="id-ID" sz="2200" b="0" dirty="0">
+                <a:solidFill>
+                  <a:srgbClr val="C586C0"/>
+                </a:solidFill>
+                <a:effectLst/>
+                <a:latin typeface="Consolas" panose="020B0609020204030204" pitchFamily="49" charset="0"/>
+              </a:rPr>
+              <a:t>return</a:t>
+            </a:r>
+            <a:r>
+              <a:rPr lang="id-ID" sz="2200" b="0" dirty="0">
+                <a:solidFill>
+                  <a:srgbClr val="D4D4D4"/>
+                </a:solidFill>
+                <a:effectLst/>
+                <a:latin typeface="Consolas" panose="020B0609020204030204" pitchFamily="49" charset="0"/>
+              </a:rPr>
+              <a:t> </a:t>
+            </a:r>
+            <a:r>
+              <a:rPr lang="id-ID" sz="2200" b="0" dirty="0">
+                <a:solidFill>
+                  <a:srgbClr val="DCDCAA"/>
+                </a:solidFill>
+                <a:effectLst/>
+                <a:latin typeface="Consolas" panose="020B0609020204030204" pitchFamily="49" charset="0"/>
+              </a:rPr>
+              <a:t>response</a:t>
+            </a:r>
+            <a:r>
+              <a:rPr lang="id-ID" sz="2200" b="0" dirty="0">
+                <a:solidFill>
+                  <a:srgbClr val="D4D4D4"/>
+                </a:solidFill>
+                <a:effectLst/>
+                <a:latin typeface="Consolas" panose="020B0609020204030204" pitchFamily="49" charset="0"/>
+              </a:rPr>
+              <a:t>()-&gt;</a:t>
+            </a:r>
+            <a:r>
+              <a:rPr lang="id-ID" sz="2200" b="0" dirty="0">
+                <a:solidFill>
+                  <a:srgbClr val="DCDCAA"/>
+                </a:solidFill>
+                <a:effectLst/>
+                <a:latin typeface="Consolas" panose="020B0609020204030204" pitchFamily="49" charset="0"/>
+              </a:rPr>
+              <a:t>json</a:t>
+            </a:r>
+            <a:r>
+              <a:rPr lang="id-ID" sz="2200" b="0" dirty="0">
+                <a:solidFill>
+                  <a:srgbClr val="D4D4D4"/>
+                </a:solidFill>
+                <a:effectLst/>
+                <a:latin typeface="Consolas" panose="020B0609020204030204" pitchFamily="49" charset="0"/>
+              </a:rPr>
+              <a:t>([</a:t>
+            </a:r>
+          </a:p>
+          <a:p>
+            <a:pPr marL="457200" lvl="1" indent="0">
+              <a:buNone/>
+            </a:pPr>
+            <a:r>
+              <a:rPr lang="id-ID" sz="2200" b="0" dirty="0">
+                <a:solidFill>
+                  <a:srgbClr val="D4D4D4"/>
+                </a:solidFill>
+                <a:effectLst/>
+                <a:latin typeface="Consolas" panose="020B0609020204030204" pitchFamily="49" charset="0"/>
+              </a:rPr>
+              <a:t>                </a:t>
+            </a:r>
+            <a:r>
+              <a:rPr lang="id-ID" sz="2200" b="0" dirty="0">
+                <a:solidFill>
+                  <a:srgbClr val="CE9178"/>
+                </a:solidFill>
+                <a:effectLst/>
+                <a:latin typeface="Consolas" panose="020B0609020204030204" pitchFamily="49" charset="0"/>
+              </a:rPr>
+              <a:t>'message'</a:t>
+            </a:r>
+            <a:r>
+              <a:rPr lang="id-ID" sz="2200" b="0" dirty="0">
+                <a:solidFill>
+                  <a:srgbClr val="D4D4D4"/>
+                </a:solidFill>
+                <a:effectLst/>
+                <a:latin typeface="Consolas" panose="020B0609020204030204" pitchFamily="49" charset="0"/>
+              </a:rPr>
+              <a:t> =&gt; </a:t>
+            </a:r>
+            <a:r>
+              <a:rPr lang="id-ID" sz="2200" b="0" dirty="0">
+                <a:solidFill>
+                  <a:srgbClr val="CE9178"/>
+                </a:solidFill>
+                <a:effectLst/>
+                <a:latin typeface="Consolas" panose="020B0609020204030204" pitchFamily="49" charset="0"/>
+              </a:rPr>
+              <a:t>'Request success'</a:t>
+            </a:r>
+            <a:r>
+              <a:rPr lang="id-ID" sz="2200" b="0" dirty="0">
+                <a:solidFill>
+                  <a:srgbClr val="D4D4D4"/>
+                </a:solidFill>
+                <a:effectLst/>
+                <a:latin typeface="Consolas" panose="020B0609020204030204" pitchFamily="49" charset="0"/>
+              </a:rPr>
+              <a:t>,</a:t>
+            </a:r>
+          </a:p>
+          <a:p>
+            <a:pPr marL="457200" lvl="1" indent="0">
+              <a:buNone/>
+            </a:pPr>
+            <a:r>
+              <a:rPr lang="id-ID" sz="2200" b="0" dirty="0">
+                <a:solidFill>
+                  <a:srgbClr val="D4D4D4"/>
+                </a:solidFill>
+                <a:effectLst/>
+                <a:latin typeface="Consolas" panose="020B0609020204030204" pitchFamily="49" charset="0"/>
+              </a:rPr>
+              <a:t>                </a:t>
+            </a:r>
+            <a:r>
+              <a:rPr lang="id-ID" sz="2200" b="0" dirty="0">
+                <a:solidFill>
+                  <a:srgbClr val="CE9178"/>
+                </a:solidFill>
+                <a:effectLst/>
+                <a:latin typeface="Consolas" panose="020B0609020204030204" pitchFamily="49" charset="0"/>
+              </a:rPr>
+              <a:t>'data'</a:t>
+            </a:r>
+            <a:r>
+              <a:rPr lang="id-ID" sz="2200" b="0" dirty="0">
+                <a:solidFill>
+                  <a:srgbClr val="D4D4D4"/>
+                </a:solidFill>
+                <a:effectLst/>
+                <a:latin typeface="Consolas" panose="020B0609020204030204" pitchFamily="49" charset="0"/>
+              </a:rPr>
+              <a:t> =&gt; </a:t>
+            </a:r>
+            <a:r>
+              <a:rPr lang="id-ID" sz="2200" b="0" dirty="0">
+                <a:solidFill>
+                  <a:srgbClr val="9CDCFE"/>
+                </a:solidFill>
+                <a:effectLst/>
+                <a:latin typeface="Consolas" panose="020B0609020204030204" pitchFamily="49" charset="0"/>
+              </a:rPr>
+              <a:t>$data_siswa</a:t>
+            </a:r>
+            <a:endParaRPr lang="id-ID" sz="2200" b="0" dirty="0">
+              <a:solidFill>
+                <a:srgbClr val="D4D4D4"/>
+              </a:solidFill>
+              <a:effectLst/>
+              <a:latin typeface="Consolas" panose="020B0609020204030204" pitchFamily="49" charset="0"/>
+            </a:endParaRPr>
+          </a:p>
+          <a:p>
+            <a:pPr marL="457200" lvl="1" indent="0">
+              <a:buNone/>
+            </a:pPr>
+            <a:r>
+              <a:rPr lang="id-ID" sz="2200" b="0" dirty="0">
+                <a:solidFill>
+                  <a:srgbClr val="D4D4D4"/>
+                </a:solidFill>
+                <a:effectLst/>
+                <a:latin typeface="Consolas" panose="020B0609020204030204" pitchFamily="49" charset="0"/>
+              </a:rPr>
+              <a:t>            ]);</a:t>
+            </a:r>
+          </a:p>
+          <a:p>
+            <a:pPr marL="0" indent="0">
+              <a:buNone/>
+            </a:pPr>
+            <a:r>
+              <a:rPr lang="id-ID" sz="2600" b="0" dirty="0">
+                <a:solidFill>
+                  <a:srgbClr val="D4D4D4"/>
+                </a:solidFill>
+                <a:effectLst/>
+                <a:latin typeface="Consolas" panose="020B0609020204030204" pitchFamily="49" charset="0"/>
+              </a:rPr>
+              <a:t>        }</a:t>
+            </a:r>
+          </a:p>
+          <a:p>
+            <a:pPr marL="0" indent="0">
+              <a:buNone/>
+            </a:pPr>
+            <a:r>
+              <a:rPr lang="id-ID" sz="2600" b="0" dirty="0">
+                <a:solidFill>
+                  <a:srgbClr val="D4D4D4"/>
+                </a:solidFill>
+                <a:effectLst/>
+                <a:latin typeface="Consolas" panose="020B0609020204030204" pitchFamily="49" charset="0"/>
+              </a:rPr>
+              <a:t> 		</a:t>
+            </a:r>
+            <a:r>
+              <a:rPr lang="id-ID" sz="2600" b="0" dirty="0">
+                <a:solidFill>
+                  <a:srgbClr val="C586C0"/>
+                </a:solidFill>
+                <a:effectLst/>
+                <a:latin typeface="Consolas" panose="020B0609020204030204" pitchFamily="49" charset="0"/>
+              </a:rPr>
+              <a:t>catch</a:t>
+            </a:r>
+            <a:r>
+              <a:rPr lang="id-ID" sz="2600" b="0" dirty="0">
+                <a:solidFill>
+                  <a:srgbClr val="D4D4D4"/>
+                </a:solidFill>
+                <a:effectLst/>
+                <a:latin typeface="Consolas" panose="020B0609020204030204" pitchFamily="49" charset="0"/>
+              </a:rPr>
+              <a:t> (</a:t>
+            </a:r>
+            <a:r>
+              <a:rPr lang="id-ID" sz="2600" b="0" dirty="0">
+                <a:solidFill>
+                  <a:srgbClr val="4EC9B0"/>
+                </a:solidFill>
+                <a:effectLst/>
+                <a:latin typeface="Consolas" panose="020B0609020204030204" pitchFamily="49" charset="0"/>
+              </a:rPr>
+              <a:t>Exception</a:t>
+            </a:r>
+            <a:r>
+              <a:rPr lang="id-ID" sz="2600" b="0" dirty="0">
+                <a:solidFill>
+                  <a:srgbClr val="D4D4D4"/>
+                </a:solidFill>
+                <a:effectLst/>
+                <a:latin typeface="Consolas" panose="020B0609020204030204" pitchFamily="49" charset="0"/>
+              </a:rPr>
+              <a:t> </a:t>
+            </a:r>
+            <a:r>
+              <a:rPr lang="id-ID" sz="2600" b="0" dirty="0">
+                <a:solidFill>
+                  <a:srgbClr val="9CDCFE"/>
+                </a:solidFill>
+                <a:effectLst/>
+                <a:latin typeface="Consolas" panose="020B0609020204030204" pitchFamily="49" charset="0"/>
+              </a:rPr>
+              <a:t>$e</a:t>
+            </a:r>
+            <a:r>
+              <a:rPr lang="id-ID" sz="2600" b="0" dirty="0">
+                <a:solidFill>
+                  <a:srgbClr val="D4D4D4"/>
+                </a:solidFill>
+                <a:effectLst/>
+                <a:latin typeface="Consolas" panose="020B0609020204030204" pitchFamily="49" charset="0"/>
+              </a:rPr>
+              <a:t>) {</a:t>
+            </a:r>
+          </a:p>
+          <a:p>
+            <a:pPr marL="0" indent="0">
+              <a:buNone/>
+            </a:pPr>
+            <a:r>
+              <a:rPr lang="id-ID" sz="2600" b="0" dirty="0">
+                <a:solidFill>
+                  <a:srgbClr val="D4D4D4"/>
+                </a:solidFill>
+                <a:effectLst/>
+                <a:latin typeface="Consolas" panose="020B0609020204030204" pitchFamily="49" charset="0"/>
+              </a:rPr>
+              <a:t>            </a:t>
+            </a:r>
+            <a:r>
+              <a:rPr lang="id-ID" sz="2600" b="0" dirty="0">
+                <a:solidFill>
+                  <a:srgbClr val="C586C0"/>
+                </a:solidFill>
+                <a:effectLst/>
+                <a:latin typeface="Consolas" panose="020B0609020204030204" pitchFamily="49" charset="0"/>
+              </a:rPr>
+              <a:t>return</a:t>
+            </a:r>
+            <a:r>
+              <a:rPr lang="id-ID" sz="2600" b="0" dirty="0">
+                <a:solidFill>
+                  <a:srgbClr val="D4D4D4"/>
+                </a:solidFill>
+                <a:effectLst/>
+                <a:latin typeface="Consolas" panose="020B0609020204030204" pitchFamily="49" charset="0"/>
+              </a:rPr>
+              <a:t> </a:t>
+            </a:r>
+            <a:r>
+              <a:rPr lang="id-ID" sz="2600" b="0" dirty="0">
+                <a:solidFill>
+                  <a:srgbClr val="DCDCAA"/>
+                </a:solidFill>
+                <a:effectLst/>
+                <a:latin typeface="Consolas" panose="020B0609020204030204" pitchFamily="49" charset="0"/>
+              </a:rPr>
+              <a:t>response</a:t>
+            </a:r>
+            <a:r>
+              <a:rPr lang="id-ID" sz="2600" b="0" dirty="0">
+                <a:solidFill>
+                  <a:srgbClr val="D4D4D4"/>
+                </a:solidFill>
+                <a:effectLst/>
+                <a:latin typeface="Consolas" panose="020B0609020204030204" pitchFamily="49" charset="0"/>
+              </a:rPr>
+              <a:t>()-&gt;</a:t>
+            </a:r>
+            <a:r>
+              <a:rPr lang="id-ID" sz="2600" b="0" dirty="0">
+                <a:solidFill>
+                  <a:srgbClr val="DCDCAA"/>
+                </a:solidFill>
+                <a:effectLst/>
+                <a:latin typeface="Consolas" panose="020B0609020204030204" pitchFamily="49" charset="0"/>
+              </a:rPr>
+              <a:t>json</a:t>
+            </a:r>
+            <a:r>
+              <a:rPr lang="id-ID" sz="2600" b="0" dirty="0">
+                <a:solidFill>
+                  <a:srgbClr val="D4D4D4"/>
+                </a:solidFill>
+                <a:effectLst/>
+                <a:latin typeface="Consolas" panose="020B0609020204030204" pitchFamily="49" charset="0"/>
+              </a:rPr>
+              <a:t>([</a:t>
+            </a:r>
+          </a:p>
+          <a:p>
+            <a:pPr marL="0" indent="0">
+              <a:buNone/>
+            </a:pPr>
+            <a:r>
+              <a:rPr lang="id-ID" sz="2600" b="0" dirty="0">
+                <a:solidFill>
+                  <a:srgbClr val="D4D4D4"/>
+                </a:solidFill>
+                <a:effectLst/>
+                <a:latin typeface="Consolas" panose="020B0609020204030204" pitchFamily="49" charset="0"/>
+              </a:rPr>
+              <a:t>                </a:t>
+            </a:r>
+            <a:r>
+              <a:rPr lang="id-ID" sz="2600" b="0" dirty="0">
+                <a:solidFill>
+                  <a:srgbClr val="CE9178"/>
+                </a:solidFill>
+                <a:effectLst/>
+                <a:latin typeface="Consolas" panose="020B0609020204030204" pitchFamily="49" charset="0"/>
+              </a:rPr>
+              <a:t>'message'</a:t>
+            </a:r>
+            <a:r>
+              <a:rPr lang="id-ID" sz="2600" b="0" dirty="0">
+                <a:solidFill>
+                  <a:srgbClr val="D4D4D4"/>
+                </a:solidFill>
+                <a:effectLst/>
+                <a:latin typeface="Consolas" panose="020B0609020204030204" pitchFamily="49" charset="0"/>
+              </a:rPr>
+              <a:t> =&gt; </a:t>
+            </a:r>
+            <a:r>
+              <a:rPr lang="id-ID" sz="2600" b="0" dirty="0">
+                <a:solidFill>
+                  <a:srgbClr val="9CDCFE"/>
+                </a:solidFill>
+                <a:effectLst/>
+                <a:latin typeface="Consolas" panose="020B0609020204030204" pitchFamily="49" charset="0"/>
+              </a:rPr>
+              <a:t>$e</a:t>
+            </a:r>
+            <a:r>
+              <a:rPr lang="id-ID" sz="2600" b="0" dirty="0">
+                <a:solidFill>
+                  <a:srgbClr val="D4D4D4"/>
+                </a:solidFill>
+                <a:effectLst/>
+                <a:latin typeface="Consolas" panose="020B0609020204030204" pitchFamily="49" charset="0"/>
+              </a:rPr>
+              <a:t>-&gt;</a:t>
+            </a:r>
+            <a:r>
+              <a:rPr lang="id-ID" sz="2600" b="0" dirty="0">
+                <a:solidFill>
+                  <a:srgbClr val="DCDCAA"/>
+                </a:solidFill>
+                <a:effectLst/>
+                <a:latin typeface="Consolas" panose="020B0609020204030204" pitchFamily="49" charset="0"/>
+              </a:rPr>
+              <a:t>getMessage</a:t>
+            </a:r>
+            <a:r>
+              <a:rPr lang="id-ID" sz="2600" b="0" dirty="0">
+                <a:solidFill>
+                  <a:srgbClr val="D4D4D4"/>
+                </a:solidFill>
+                <a:effectLst/>
+                <a:latin typeface="Consolas" panose="020B0609020204030204" pitchFamily="49" charset="0"/>
+              </a:rPr>
+              <a:t>()</a:t>
+            </a:r>
+          </a:p>
+          <a:p>
+            <a:pPr marL="0" indent="0">
+              <a:buNone/>
+            </a:pPr>
+            <a:r>
+              <a:rPr lang="id-ID" sz="2600" b="0" dirty="0">
+                <a:solidFill>
+                  <a:srgbClr val="D4D4D4"/>
+                </a:solidFill>
+                <a:effectLst/>
+                <a:latin typeface="Consolas" panose="020B0609020204030204" pitchFamily="49" charset="0"/>
+              </a:rPr>
+              <a:t>            ]);</a:t>
+            </a:r>
+          </a:p>
+          <a:p>
+            <a:pPr marL="0" indent="0">
+              <a:buNone/>
+            </a:pPr>
+            <a:r>
+              <a:rPr lang="id-ID" sz="2600" b="0" dirty="0">
+                <a:solidFill>
+                  <a:srgbClr val="D4D4D4"/>
+                </a:solidFill>
+                <a:effectLst/>
+                <a:latin typeface="Consolas" panose="020B0609020204030204" pitchFamily="49" charset="0"/>
+              </a:rPr>
+              <a:t>        }</a:t>
+            </a:r>
+          </a:p>
+          <a:p>
+            <a:pPr marL="0" indent="0">
+              <a:buNone/>
+            </a:pPr>
+            <a:r>
+              <a:rPr lang="id-ID" sz="2600" b="0" dirty="0">
+                <a:solidFill>
+                  <a:srgbClr val="D4D4D4"/>
+                </a:solidFill>
+                <a:effectLst/>
+                <a:latin typeface="Consolas" panose="020B0609020204030204" pitchFamily="49" charset="0"/>
+              </a:rPr>
+              <a:t>    }</a:t>
+            </a:r>
+          </a:p>
+          <a:p>
+            <a:pPr marL="0" indent="0">
+              <a:buNone/>
+            </a:pPr>
+            <a:endParaRPr lang="id-ID" dirty="0"/>
+          </a:p>
+        </p:txBody>
+      </p:sp>
+    </p:spTree>
+    <p:extLst>
+      <p:ext uri="{BB962C8B-B14F-4D97-AF65-F5344CB8AC3E}">
+        <p14:creationId xmlns:p14="http://schemas.microsoft.com/office/powerpoint/2010/main" val="434824566"/>
       </p:ext>
     </p:extLst>
   </p:cSld>
@@ -5129,10 +5817,10 @@
       </p:grpSpPr>
       <p:sp>
         <p:nvSpPr>
-          <p:cNvPr id="4" name="Content Placeholder 3">
-            <a:extLst>
-              <a:ext uri="{FF2B5EF4-FFF2-40B4-BE49-F238E27FC236}">
-                <a16:creationId xmlns:a16="http://schemas.microsoft.com/office/drawing/2014/main" id="{A35B7033-B374-D487-6B37-1E9D772D7CB8}"/>
+          <p:cNvPr id="5" name="Content Placeholder 4">
+            <a:extLst>
+              <a:ext uri="{FF2B5EF4-FFF2-40B4-BE49-F238E27FC236}">
+                <a16:creationId xmlns:a16="http://schemas.microsoft.com/office/drawing/2014/main" id="{6558D0A7-9EFE-8C52-5DBD-4A5C581AC21D}"/>
               </a:ext>
             </a:extLst>
           </p:cNvPr>
@@ -5140,7 +5828,7 @@
             <a:spLocks noGrp="1"/>
           </p:cNvSpPr>
           <p:nvPr>
-            <p:ph idx="1"/>
+            <p:ph sz="half" idx="1"/>
           </p:nvPr>
         </p:nvSpPr>
         <p:spPr>
@@ -5150,450 +5838,280 @@
           </a:xfrm>
         </p:spPr>
         <p:txBody>
-          <a:bodyPr>
-            <a:normAutofit lnSpcReduction="10000"/>
-          </a:bodyPr>
+          <a:bodyPr/>
           <a:lstStyle/>
           <a:p>
             <a:pPr marL="0" indent="0">
               <a:buNone/>
             </a:pPr>
-            <a:endParaRPr lang="id-ID" dirty="0"/>
+            <a:endParaRPr lang="id-ID" dirty="0">
+              <a:solidFill>
+                <a:schemeClr val="bg1"/>
+              </a:solidFill>
+            </a:endParaRPr>
+          </a:p>
+          <a:p>
+            <a:pPr marL="0" indent="0" algn="ctr">
+              <a:buNone/>
+            </a:pPr>
+            <a:endParaRPr lang="id-ID" dirty="0">
+              <a:solidFill>
+                <a:schemeClr val="bg1"/>
+              </a:solidFill>
+            </a:endParaRPr>
+          </a:p>
+          <a:p>
+            <a:pPr marL="0" indent="0" algn="ctr">
+              <a:buNone/>
+            </a:pPr>
+            <a:r>
+              <a:rPr lang="id-ID" dirty="0">
+                <a:solidFill>
+                  <a:schemeClr val="bg1"/>
+                </a:solidFill>
+              </a:rPr>
+              <a:t>Endpoint or Route</a:t>
+            </a:r>
           </a:p>
           <a:p>
             <a:pPr marL="0" indent="0">
               <a:buNone/>
             </a:pPr>
-            <a:r>
-              <a:rPr lang="id-ID" sz="2600" dirty="0">
+            <a:endParaRPr lang="id-ID" b="0" dirty="0">
+              <a:solidFill>
+                <a:srgbClr val="4EC9B0"/>
+              </a:solidFill>
+              <a:effectLst/>
+              <a:latin typeface="Consolas" panose="020B0609020204030204" pitchFamily="49" charset="0"/>
+            </a:endParaRPr>
+          </a:p>
+          <a:p>
+            <a:pPr marL="0" indent="0">
+              <a:buNone/>
+            </a:pPr>
+            <a:endParaRPr lang="id-ID" dirty="0">
+              <a:solidFill>
+                <a:srgbClr val="4EC9B0"/>
+              </a:solidFill>
+              <a:latin typeface="Consolas" panose="020B0609020204030204" pitchFamily="49" charset="0"/>
+            </a:endParaRPr>
+          </a:p>
+          <a:p>
+            <a:pPr marL="0" indent="0" algn="ctr">
+              <a:lnSpc>
+                <a:spcPct val="150000"/>
+              </a:lnSpc>
+              <a:buNone/>
+            </a:pPr>
+            <a:r>
+              <a:rPr lang="en-US" b="0" dirty="0">
+                <a:solidFill>
+                  <a:srgbClr val="4EC9B0"/>
+                </a:solidFill>
+                <a:effectLst/>
+                <a:latin typeface="Consolas" panose="020B0609020204030204" pitchFamily="49" charset="0"/>
+              </a:rPr>
+              <a:t>Route</a:t>
+            </a:r>
+            <a:r>
+              <a:rPr lang="en-US" b="0" dirty="0">
+                <a:solidFill>
+                  <a:srgbClr val="D4D4D4"/>
+                </a:solidFill>
+                <a:effectLst/>
+                <a:latin typeface="Consolas" panose="020B0609020204030204" pitchFamily="49" charset="0"/>
+              </a:rPr>
+              <a:t>::</a:t>
+            </a:r>
+            <a:r>
+              <a:rPr lang="en-US" b="0" dirty="0">
+                <a:solidFill>
+                  <a:srgbClr val="DCDCAA"/>
+                </a:solidFill>
+                <a:effectLst/>
+                <a:latin typeface="Consolas" panose="020B0609020204030204" pitchFamily="49" charset="0"/>
+              </a:rPr>
+              <a:t>resource</a:t>
+            </a:r>
+            <a:r>
+              <a:rPr lang="en-US" b="0" dirty="0">
+                <a:solidFill>
+                  <a:srgbClr val="D4D4D4"/>
+                </a:solidFill>
+                <a:effectLst/>
+                <a:latin typeface="Consolas" panose="020B0609020204030204" pitchFamily="49" charset="0"/>
+              </a:rPr>
+              <a:t>(</a:t>
+            </a:r>
+            <a:r>
+              <a:rPr lang="en-US" b="0" dirty="0">
+                <a:solidFill>
+                  <a:srgbClr val="CE9178"/>
+                </a:solidFill>
+                <a:effectLst/>
+                <a:latin typeface="Consolas" panose="020B0609020204030204" pitchFamily="49" charset="0"/>
+              </a:rPr>
+              <a:t>'/</a:t>
+            </a:r>
+            <a:r>
+              <a:rPr lang="en-US" b="0" dirty="0" err="1">
+                <a:solidFill>
+                  <a:srgbClr val="CE9178"/>
+                </a:solidFill>
+                <a:effectLst/>
+                <a:latin typeface="Consolas" panose="020B0609020204030204" pitchFamily="49" charset="0"/>
+              </a:rPr>
+              <a:t>sisw</a:t>
+            </a:r>
+            <a:r>
+              <a:rPr lang="id-ID" b="0" dirty="0">
+                <a:solidFill>
+                  <a:srgbClr val="CE9178"/>
+                </a:solidFill>
+                <a:effectLst/>
+                <a:latin typeface="Consolas" panose="020B0609020204030204" pitchFamily="49" charset="0"/>
+              </a:rPr>
+              <a:t>a</a:t>
+            </a:r>
+            <a:r>
+              <a:rPr lang="en-US" b="0" dirty="0">
+                <a:solidFill>
+                  <a:srgbClr val="CE9178"/>
+                </a:solidFill>
+                <a:effectLst/>
+                <a:latin typeface="Consolas" panose="020B0609020204030204" pitchFamily="49" charset="0"/>
+              </a:rPr>
+              <a:t>'</a:t>
+            </a:r>
+            <a:r>
+              <a:rPr lang="en-US" b="0" dirty="0">
+                <a:solidFill>
+                  <a:srgbClr val="D4D4D4"/>
+                </a:solidFill>
+                <a:effectLst/>
+                <a:latin typeface="Consolas" panose="020B0609020204030204" pitchFamily="49" charset="0"/>
+              </a:rPr>
+              <a:t>,</a:t>
+            </a:r>
+            <a:r>
+              <a:rPr lang="en-US" b="0" dirty="0">
+                <a:solidFill>
+                  <a:srgbClr val="4EC9B0"/>
+                </a:solidFill>
+                <a:effectLst/>
+                <a:latin typeface="Consolas" panose="020B0609020204030204" pitchFamily="49" charset="0"/>
+              </a:rPr>
+              <a:t>Res</a:t>
+            </a:r>
+            <a:r>
+              <a:rPr lang="id-ID" b="0" dirty="0">
+                <a:solidFill>
+                  <a:srgbClr val="4EC9B0"/>
+                </a:solidFill>
+                <a:effectLst/>
+                <a:latin typeface="Consolas" panose="020B0609020204030204" pitchFamily="49" charset="0"/>
+              </a:rPr>
+              <a:t>T</a:t>
+            </a:r>
+            <a:r>
+              <a:rPr lang="en-US" b="0" dirty="0">
+                <a:solidFill>
+                  <a:srgbClr val="4EC9B0"/>
+                </a:solidFill>
+                <a:effectLst/>
+                <a:latin typeface="Consolas" panose="020B0609020204030204" pitchFamily="49" charset="0"/>
+              </a:rPr>
+              <a:t>A</a:t>
+            </a:r>
+            <a:r>
+              <a:rPr lang="id-ID" b="0" dirty="0">
+                <a:solidFill>
+                  <a:srgbClr val="4EC9B0"/>
+                </a:solidFill>
+                <a:effectLst/>
+                <a:latin typeface="Consolas" panose="020B0609020204030204" pitchFamily="49" charset="0"/>
+              </a:rPr>
+              <a:t>p</a:t>
+            </a:r>
+            <a:r>
+              <a:rPr lang="en-US" b="0" dirty="0">
+                <a:solidFill>
+                  <a:srgbClr val="4EC9B0"/>
+                </a:solidFill>
+                <a:effectLst/>
+                <a:latin typeface="Consolas" panose="020B0609020204030204" pitchFamily="49" charset="0"/>
+              </a:rPr>
+              <a:t>i</a:t>
+            </a:r>
+            <a:r>
+              <a:rPr lang="en-US" b="0" dirty="0">
+                <a:solidFill>
+                  <a:srgbClr val="D4D4D4"/>
+                </a:solidFill>
+                <a:effectLst/>
+                <a:latin typeface="Consolas" panose="020B0609020204030204" pitchFamily="49" charset="0"/>
+              </a:rPr>
+              <a:t>::</a:t>
+            </a:r>
+            <a:r>
+              <a:rPr lang="en-US" b="0" dirty="0">
                 <a:solidFill>
                   <a:srgbClr val="569CD6"/>
                 </a:solidFill>
-                <a:latin typeface="Consolas" panose="020B0609020204030204" pitchFamily="49" charset="0"/>
-              </a:rPr>
-              <a:t>  </a:t>
-            </a:r>
-            <a:r>
-              <a:rPr lang="id-ID" sz="2600" b="0" dirty="0">
-                <a:solidFill>
-                  <a:srgbClr val="569CD6"/>
-                </a:solidFill>
-                <a:effectLst/>
-                <a:latin typeface="Consolas" panose="020B0609020204030204" pitchFamily="49" charset="0"/>
-              </a:rPr>
-              <a:t>public</a:t>
-            </a:r>
-            <a:r>
-              <a:rPr lang="id-ID" sz="2600" b="0" dirty="0">
+                <a:effectLst/>
+                <a:latin typeface="Consolas" panose="020B0609020204030204" pitchFamily="49" charset="0"/>
+              </a:rPr>
+              <a:t>class</a:t>
+            </a:r>
+            <a:r>
+              <a:rPr lang="en-US" b="0" dirty="0">
                 <a:solidFill>
                   <a:srgbClr val="D4D4D4"/>
                 </a:solidFill>
                 <a:effectLst/>
                 <a:latin typeface="Consolas" panose="020B0609020204030204" pitchFamily="49" charset="0"/>
               </a:rPr>
+              <a:t>);</a:t>
+            </a:r>
+          </a:p>
+          <a:p>
+            <a:pPr marL="0" indent="0">
+              <a:buNone/>
+            </a:pPr>
+            <a:r>
+              <a:rPr lang="id-ID" b="0" dirty="0">
+                <a:solidFill>
+                  <a:srgbClr val="D4D4D4"/>
+                </a:solidFill>
+                <a:effectLst/>
+                <a:latin typeface="Consolas" panose="020B0609020204030204" pitchFamily="49" charset="0"/>
+              </a:rPr>
               <a:t> </a:t>
             </a:r>
-            <a:r>
-              <a:rPr lang="id-ID" sz="2600" b="0" dirty="0">
-                <a:solidFill>
-                  <a:srgbClr val="569CD6"/>
-                </a:solidFill>
-                <a:effectLst/>
-                <a:latin typeface="Consolas" panose="020B0609020204030204" pitchFamily="49" charset="0"/>
-              </a:rPr>
-              <a:t>function</a:t>
-            </a:r>
-            <a:r>
-              <a:rPr lang="id-ID" sz="2600" b="0" dirty="0">
+          </a:p>
+          <a:p>
+            <a:pPr marL="0" indent="0" algn="ctr">
+              <a:buNone/>
+            </a:pPr>
+            <a:r>
+              <a:rPr lang="id-ID" dirty="0">
                 <a:solidFill>
                   <a:srgbClr val="D4D4D4"/>
                 </a:solidFill>
-                <a:effectLst/>
-                <a:latin typeface="Consolas" panose="020B0609020204030204" pitchFamily="49" charset="0"/>
-              </a:rPr>
-              <a:t> </a:t>
-            </a:r>
-            <a:r>
-              <a:rPr lang="id-ID" sz="2600" b="0" dirty="0">
-                <a:solidFill>
-                  <a:srgbClr val="DCDCAA"/>
-                </a:solidFill>
-                <a:effectLst/>
-                <a:latin typeface="Consolas" panose="020B0609020204030204" pitchFamily="49" charset="0"/>
-              </a:rPr>
-              <a:t>index</a:t>
-            </a:r>
-            <a:r>
-              <a:rPr lang="id-ID" sz="2600" b="0" dirty="0">
+                <a:latin typeface="Consolas" panose="020B0609020204030204" pitchFamily="49" charset="0"/>
+              </a:rPr>
+              <a:t>(http://127.0.0.1:8000/api/siswa)</a:t>
+            </a:r>
+            <a:br>
+              <a:rPr lang="en-US" b="0" dirty="0">
                 <a:solidFill>
                   <a:srgbClr val="D4D4D4"/>
                 </a:solidFill>
                 <a:effectLst/>
                 <a:latin typeface="Consolas" panose="020B0609020204030204" pitchFamily="49" charset="0"/>
               </a:rPr>
-              <a:t>()</a:t>
-            </a:r>
-          </a:p>
-          <a:p>
-            <a:pPr marL="0" indent="0">
-              <a:buNone/>
-            </a:pPr>
-            <a:r>
-              <a:rPr lang="id-ID" sz="2600" b="0" dirty="0">
-                <a:solidFill>
-                  <a:srgbClr val="D4D4D4"/>
-                </a:solidFill>
-                <a:effectLst/>
-                <a:latin typeface="Consolas" panose="020B0609020204030204" pitchFamily="49" charset="0"/>
-              </a:rPr>
-              <a:t>    {</a:t>
-            </a:r>
-          </a:p>
-          <a:p>
-            <a:pPr marL="0" indent="0">
-              <a:buNone/>
-            </a:pPr>
-            <a:r>
-              <a:rPr lang="id-ID" sz="2600" b="0" dirty="0">
-                <a:solidFill>
-                  <a:srgbClr val="D4D4D4"/>
-                </a:solidFill>
-                <a:effectLst/>
-                <a:latin typeface="Consolas" panose="020B0609020204030204" pitchFamily="49" charset="0"/>
-              </a:rPr>
-              <a:t>        </a:t>
-            </a:r>
-            <a:r>
-              <a:rPr lang="id-ID" sz="2600" b="0" dirty="0">
-                <a:solidFill>
-                  <a:srgbClr val="C586C0"/>
-                </a:solidFill>
-                <a:effectLst/>
-                <a:latin typeface="Consolas" panose="020B0609020204030204" pitchFamily="49" charset="0"/>
-              </a:rPr>
-              <a:t>try</a:t>
-            </a:r>
-            <a:r>
-              <a:rPr lang="id-ID" sz="2600" b="0" dirty="0">
-                <a:solidFill>
-                  <a:srgbClr val="D4D4D4"/>
-                </a:solidFill>
-                <a:effectLst/>
-                <a:latin typeface="Consolas" panose="020B0609020204030204" pitchFamily="49" charset="0"/>
-              </a:rPr>
-              <a:t> {</a:t>
-            </a:r>
-          </a:p>
-          <a:p>
-            <a:pPr marL="457200" lvl="1" indent="0">
-              <a:buNone/>
-            </a:pPr>
-            <a:r>
-              <a:rPr lang="id-ID" sz="2200" b="0" dirty="0">
-                <a:solidFill>
-                  <a:srgbClr val="D4D4D4"/>
-                </a:solidFill>
-                <a:effectLst/>
-                <a:latin typeface="Consolas" panose="020B0609020204030204" pitchFamily="49" charset="0"/>
-              </a:rPr>
-              <a:t>            </a:t>
-            </a:r>
-            <a:r>
-              <a:rPr lang="id-ID" sz="2200" b="0" dirty="0">
-                <a:solidFill>
-                  <a:srgbClr val="9CDCFE"/>
-                </a:solidFill>
-                <a:effectLst/>
-                <a:latin typeface="Consolas" panose="020B0609020204030204" pitchFamily="49" charset="0"/>
-              </a:rPr>
-              <a:t>$data_siswa</a:t>
-            </a:r>
-            <a:r>
-              <a:rPr lang="id-ID" sz="2200" b="0" dirty="0">
-                <a:solidFill>
-                  <a:srgbClr val="D4D4D4"/>
-                </a:solidFill>
-                <a:effectLst/>
-                <a:latin typeface="Consolas" panose="020B0609020204030204" pitchFamily="49" charset="0"/>
-              </a:rPr>
-              <a:t> = </a:t>
-            </a:r>
-            <a:r>
-              <a:rPr lang="id-ID" sz="2200" b="0" dirty="0">
-                <a:solidFill>
-                  <a:srgbClr val="4EC9B0"/>
-                </a:solidFill>
-                <a:effectLst/>
-                <a:latin typeface="Consolas" panose="020B0609020204030204" pitchFamily="49" charset="0"/>
-              </a:rPr>
-              <a:t>Siswa</a:t>
-            </a:r>
-            <a:r>
-              <a:rPr lang="id-ID" sz="2200" b="0" dirty="0">
-                <a:solidFill>
-                  <a:srgbClr val="D4D4D4"/>
-                </a:solidFill>
-                <a:effectLst/>
-                <a:latin typeface="Consolas" panose="020B0609020204030204" pitchFamily="49" charset="0"/>
-              </a:rPr>
-              <a:t>::</a:t>
-            </a:r>
-            <a:r>
-              <a:rPr lang="id-ID" sz="2200" b="0" dirty="0">
-                <a:solidFill>
-                  <a:srgbClr val="DCDCAA"/>
-                </a:solidFill>
-                <a:effectLst/>
-                <a:latin typeface="Consolas" panose="020B0609020204030204" pitchFamily="49" charset="0"/>
-              </a:rPr>
-              <a:t>orderBy</a:t>
-            </a:r>
-            <a:r>
-              <a:rPr lang="id-ID" sz="2200" b="0" dirty="0">
-                <a:solidFill>
-                  <a:srgbClr val="D4D4D4"/>
-                </a:solidFill>
-                <a:effectLst/>
-                <a:latin typeface="Consolas" panose="020B0609020204030204" pitchFamily="49" charset="0"/>
-              </a:rPr>
-              <a:t>(</a:t>
-            </a:r>
-            <a:r>
-              <a:rPr lang="id-ID" sz="2200" b="0" dirty="0">
-                <a:solidFill>
-                  <a:srgbClr val="CE9178"/>
-                </a:solidFill>
-                <a:effectLst/>
-                <a:latin typeface="Consolas" panose="020B0609020204030204" pitchFamily="49" charset="0"/>
-              </a:rPr>
-              <a:t>'id'</a:t>
-            </a:r>
-            <a:r>
-              <a:rPr lang="id-ID" sz="2200" b="0" dirty="0">
-                <a:solidFill>
-                  <a:srgbClr val="D4D4D4"/>
-                </a:solidFill>
-                <a:effectLst/>
-                <a:latin typeface="Consolas" panose="020B0609020204030204" pitchFamily="49" charset="0"/>
-              </a:rPr>
-              <a:t>,</a:t>
-            </a:r>
-            <a:r>
-              <a:rPr lang="id-ID" sz="2200" b="0" dirty="0">
-                <a:solidFill>
-                  <a:srgbClr val="CE9178"/>
-                </a:solidFill>
-                <a:effectLst/>
-                <a:latin typeface="Consolas" panose="020B0609020204030204" pitchFamily="49" charset="0"/>
-              </a:rPr>
-              <a:t>'desc'</a:t>
-            </a:r>
-            <a:r>
-              <a:rPr lang="id-ID" sz="2200" b="0" dirty="0">
-                <a:solidFill>
-                  <a:srgbClr val="D4D4D4"/>
-                </a:solidFill>
-                <a:effectLst/>
-                <a:latin typeface="Consolas" panose="020B0609020204030204" pitchFamily="49" charset="0"/>
-              </a:rPr>
-              <a:t>)-&gt;</a:t>
-            </a:r>
-            <a:r>
-              <a:rPr lang="id-ID" sz="2200" b="0" dirty="0">
-                <a:solidFill>
-                  <a:srgbClr val="DCDCAA"/>
-                </a:solidFill>
-                <a:effectLst/>
-                <a:latin typeface="Consolas" panose="020B0609020204030204" pitchFamily="49" charset="0"/>
-              </a:rPr>
-              <a:t>get</a:t>
-            </a:r>
-            <a:r>
-              <a:rPr lang="id-ID" sz="2200" b="0" dirty="0">
-                <a:solidFill>
-                  <a:srgbClr val="D4D4D4"/>
-                </a:solidFill>
-                <a:effectLst/>
-                <a:latin typeface="Consolas" panose="020B0609020204030204" pitchFamily="49" charset="0"/>
-              </a:rPr>
-              <a:t>();</a:t>
-            </a:r>
-          </a:p>
-          <a:p>
-            <a:pPr marL="457200" lvl="1" indent="0">
-              <a:buNone/>
-            </a:pPr>
-            <a:r>
-              <a:rPr lang="id-ID" sz="2200" b="0" dirty="0">
-                <a:solidFill>
-                  <a:srgbClr val="D4D4D4"/>
-                </a:solidFill>
-                <a:effectLst/>
-                <a:latin typeface="Consolas" panose="020B0609020204030204" pitchFamily="49" charset="0"/>
-              </a:rPr>
-              <a:t>            </a:t>
-            </a:r>
-            <a:r>
-              <a:rPr lang="id-ID" sz="2200" b="0" dirty="0">
-                <a:solidFill>
-                  <a:srgbClr val="C586C0"/>
-                </a:solidFill>
-                <a:effectLst/>
-                <a:latin typeface="Consolas" panose="020B0609020204030204" pitchFamily="49" charset="0"/>
-              </a:rPr>
-              <a:t>return</a:t>
-            </a:r>
-            <a:r>
-              <a:rPr lang="id-ID" sz="2200" b="0" dirty="0">
-                <a:solidFill>
-                  <a:srgbClr val="D4D4D4"/>
-                </a:solidFill>
-                <a:effectLst/>
-                <a:latin typeface="Consolas" panose="020B0609020204030204" pitchFamily="49" charset="0"/>
-              </a:rPr>
-              <a:t> </a:t>
-            </a:r>
-            <a:r>
-              <a:rPr lang="id-ID" sz="2200" b="0" dirty="0">
-                <a:solidFill>
-                  <a:srgbClr val="DCDCAA"/>
-                </a:solidFill>
-                <a:effectLst/>
-                <a:latin typeface="Consolas" panose="020B0609020204030204" pitchFamily="49" charset="0"/>
-              </a:rPr>
-              <a:t>response</a:t>
-            </a:r>
-            <a:r>
-              <a:rPr lang="id-ID" sz="2200" b="0" dirty="0">
-                <a:solidFill>
-                  <a:srgbClr val="D4D4D4"/>
-                </a:solidFill>
-                <a:effectLst/>
-                <a:latin typeface="Consolas" panose="020B0609020204030204" pitchFamily="49" charset="0"/>
-              </a:rPr>
-              <a:t>()-&gt;</a:t>
-            </a:r>
-            <a:r>
-              <a:rPr lang="id-ID" sz="2200" b="0" dirty="0">
-                <a:solidFill>
-                  <a:srgbClr val="DCDCAA"/>
-                </a:solidFill>
-                <a:effectLst/>
-                <a:latin typeface="Consolas" panose="020B0609020204030204" pitchFamily="49" charset="0"/>
-              </a:rPr>
-              <a:t>json</a:t>
-            </a:r>
-            <a:r>
-              <a:rPr lang="id-ID" sz="2200" b="0" dirty="0">
-                <a:solidFill>
-                  <a:srgbClr val="D4D4D4"/>
-                </a:solidFill>
-                <a:effectLst/>
-                <a:latin typeface="Consolas" panose="020B0609020204030204" pitchFamily="49" charset="0"/>
-              </a:rPr>
-              <a:t>([</a:t>
-            </a:r>
-          </a:p>
-          <a:p>
-            <a:pPr marL="457200" lvl="1" indent="0">
-              <a:buNone/>
-            </a:pPr>
-            <a:r>
-              <a:rPr lang="id-ID" sz="2200" b="0" dirty="0">
-                <a:solidFill>
-                  <a:srgbClr val="D4D4D4"/>
-                </a:solidFill>
-                <a:effectLst/>
-                <a:latin typeface="Consolas" panose="020B0609020204030204" pitchFamily="49" charset="0"/>
-              </a:rPr>
-              <a:t>                </a:t>
-            </a:r>
-            <a:r>
-              <a:rPr lang="id-ID" sz="2200" b="0" dirty="0">
-                <a:solidFill>
-                  <a:srgbClr val="CE9178"/>
-                </a:solidFill>
-                <a:effectLst/>
-                <a:latin typeface="Consolas" panose="020B0609020204030204" pitchFamily="49" charset="0"/>
-              </a:rPr>
-              <a:t>'message'</a:t>
-            </a:r>
-            <a:r>
-              <a:rPr lang="id-ID" sz="2200" b="0" dirty="0">
-                <a:solidFill>
-                  <a:srgbClr val="D4D4D4"/>
-                </a:solidFill>
-                <a:effectLst/>
-                <a:latin typeface="Consolas" panose="020B0609020204030204" pitchFamily="49" charset="0"/>
-              </a:rPr>
-              <a:t> =&gt; </a:t>
-            </a:r>
-            <a:r>
-              <a:rPr lang="id-ID" sz="2200" b="0" dirty="0">
-                <a:solidFill>
-                  <a:srgbClr val="CE9178"/>
-                </a:solidFill>
-                <a:effectLst/>
-                <a:latin typeface="Consolas" panose="020B0609020204030204" pitchFamily="49" charset="0"/>
-              </a:rPr>
-              <a:t>'Request success'</a:t>
-            </a:r>
-            <a:r>
-              <a:rPr lang="id-ID" sz="2200" b="0" dirty="0">
-                <a:solidFill>
-                  <a:srgbClr val="D4D4D4"/>
-                </a:solidFill>
-                <a:effectLst/>
-                <a:latin typeface="Consolas" panose="020B0609020204030204" pitchFamily="49" charset="0"/>
-              </a:rPr>
-              <a:t>,</a:t>
-            </a:r>
-          </a:p>
-          <a:p>
-            <a:pPr marL="457200" lvl="1" indent="0">
-              <a:buNone/>
-            </a:pPr>
-            <a:r>
-              <a:rPr lang="id-ID" sz="2200" b="0" dirty="0">
-                <a:solidFill>
-                  <a:srgbClr val="D4D4D4"/>
-                </a:solidFill>
-                <a:effectLst/>
-                <a:latin typeface="Consolas" panose="020B0609020204030204" pitchFamily="49" charset="0"/>
-              </a:rPr>
-              <a:t>                </a:t>
-            </a:r>
-            <a:r>
-              <a:rPr lang="id-ID" sz="2200" b="0" dirty="0">
-                <a:solidFill>
-                  <a:srgbClr val="CE9178"/>
-                </a:solidFill>
-                <a:effectLst/>
-                <a:latin typeface="Consolas" panose="020B0609020204030204" pitchFamily="49" charset="0"/>
-              </a:rPr>
-              <a:t>'data'</a:t>
-            </a:r>
-            <a:r>
-              <a:rPr lang="id-ID" sz="2200" b="0" dirty="0">
-                <a:solidFill>
-                  <a:srgbClr val="D4D4D4"/>
-                </a:solidFill>
-                <a:effectLst/>
-                <a:latin typeface="Consolas" panose="020B0609020204030204" pitchFamily="49" charset="0"/>
-              </a:rPr>
-              <a:t> =&gt; </a:t>
-            </a:r>
-            <a:r>
-              <a:rPr lang="id-ID" sz="2200" b="0" dirty="0">
-                <a:solidFill>
-                  <a:srgbClr val="9CDCFE"/>
-                </a:solidFill>
-                <a:effectLst/>
-                <a:latin typeface="Consolas" panose="020B0609020204030204" pitchFamily="49" charset="0"/>
-              </a:rPr>
-              <a:t>$data_siswa</a:t>
-            </a:r>
-            <a:endParaRPr lang="id-ID" sz="2200" b="0" dirty="0">
+            </a:br>
+            <a:endParaRPr lang="en-US" b="0" dirty="0">
               <a:solidFill>
                 <a:srgbClr val="D4D4D4"/>
               </a:solidFill>
@@ -5602,317 +6120,21 @@
             </a:endParaRPr>
           </a:p>
           <a:p>
-            <a:pPr marL="457200" lvl="1" indent="0">
-              <a:buNone/>
-            </a:pPr>
-            <a:r>
-              <a:rPr lang="id-ID" sz="2200" b="0" dirty="0">
-                <a:solidFill>
-                  <a:srgbClr val="D4D4D4"/>
-                </a:solidFill>
-                <a:effectLst/>
-                <a:latin typeface="Consolas" panose="020B0609020204030204" pitchFamily="49" charset="0"/>
-              </a:rPr>
-              <a:t>            ]);</a:t>
-            </a:r>
-          </a:p>
-          <a:p>
-            <a:pPr marL="0" indent="0">
-              <a:buNone/>
-            </a:pPr>
-            <a:r>
-              <a:rPr lang="id-ID" sz="2600" b="0" dirty="0">
-                <a:solidFill>
-                  <a:srgbClr val="D4D4D4"/>
-                </a:solidFill>
-                <a:effectLst/>
-                <a:latin typeface="Consolas" panose="020B0609020204030204" pitchFamily="49" charset="0"/>
-              </a:rPr>
-              <a:t>        }</a:t>
-            </a:r>
-          </a:p>
-          <a:p>
-            <a:pPr marL="0" indent="0">
-              <a:buNone/>
-            </a:pPr>
-            <a:r>
-              <a:rPr lang="id-ID" sz="2600" b="0" dirty="0">
-                <a:solidFill>
-                  <a:srgbClr val="D4D4D4"/>
-                </a:solidFill>
-                <a:effectLst/>
-                <a:latin typeface="Consolas" panose="020B0609020204030204" pitchFamily="49" charset="0"/>
-              </a:rPr>
-              <a:t> 		</a:t>
-            </a:r>
-            <a:r>
-              <a:rPr lang="id-ID" sz="2600" b="0" dirty="0">
-                <a:solidFill>
-                  <a:srgbClr val="C586C0"/>
-                </a:solidFill>
-                <a:effectLst/>
-                <a:latin typeface="Consolas" panose="020B0609020204030204" pitchFamily="49" charset="0"/>
-              </a:rPr>
-              <a:t>catch</a:t>
-            </a:r>
-            <a:r>
-              <a:rPr lang="id-ID" sz="2600" b="0" dirty="0">
-                <a:solidFill>
-                  <a:srgbClr val="D4D4D4"/>
-                </a:solidFill>
-                <a:effectLst/>
-                <a:latin typeface="Consolas" panose="020B0609020204030204" pitchFamily="49" charset="0"/>
-              </a:rPr>
-              <a:t> (</a:t>
-            </a:r>
-            <a:r>
-              <a:rPr lang="id-ID" sz="2600" b="0" dirty="0">
-                <a:solidFill>
-                  <a:srgbClr val="4EC9B0"/>
-                </a:solidFill>
-                <a:effectLst/>
-                <a:latin typeface="Consolas" panose="020B0609020204030204" pitchFamily="49" charset="0"/>
-              </a:rPr>
-              <a:t>Exception</a:t>
-            </a:r>
-            <a:r>
-              <a:rPr lang="id-ID" sz="2600" b="0" dirty="0">
-                <a:solidFill>
-                  <a:srgbClr val="D4D4D4"/>
-                </a:solidFill>
-                <a:effectLst/>
-                <a:latin typeface="Consolas" panose="020B0609020204030204" pitchFamily="49" charset="0"/>
-              </a:rPr>
-              <a:t> </a:t>
-            </a:r>
-            <a:r>
-              <a:rPr lang="id-ID" sz="2600" b="0" dirty="0">
-                <a:solidFill>
-                  <a:srgbClr val="9CDCFE"/>
-                </a:solidFill>
-                <a:effectLst/>
-                <a:latin typeface="Consolas" panose="020B0609020204030204" pitchFamily="49" charset="0"/>
-              </a:rPr>
-              <a:t>$e</a:t>
-            </a:r>
-            <a:r>
-              <a:rPr lang="id-ID" sz="2600" b="0" dirty="0">
-                <a:solidFill>
-                  <a:srgbClr val="D4D4D4"/>
-                </a:solidFill>
-                <a:effectLst/>
-                <a:latin typeface="Consolas" panose="020B0609020204030204" pitchFamily="49" charset="0"/>
-              </a:rPr>
-              <a:t>) {</a:t>
-            </a:r>
-          </a:p>
-          <a:p>
-            <a:pPr marL="0" indent="0">
-              <a:buNone/>
-            </a:pPr>
-            <a:r>
-              <a:rPr lang="id-ID" sz="2600" b="0" dirty="0">
-                <a:solidFill>
-                  <a:srgbClr val="D4D4D4"/>
-                </a:solidFill>
-                <a:effectLst/>
-                <a:latin typeface="Consolas" panose="020B0609020204030204" pitchFamily="49" charset="0"/>
-              </a:rPr>
-              <a:t>            </a:t>
-            </a:r>
-            <a:r>
-              <a:rPr lang="id-ID" sz="2600" b="0" dirty="0">
-                <a:solidFill>
-                  <a:srgbClr val="C586C0"/>
-                </a:solidFill>
-                <a:effectLst/>
-                <a:latin typeface="Consolas" panose="020B0609020204030204" pitchFamily="49" charset="0"/>
-              </a:rPr>
-              <a:t>return</a:t>
-            </a:r>
-            <a:r>
-              <a:rPr lang="id-ID" sz="2600" b="0" dirty="0">
-                <a:solidFill>
-                  <a:srgbClr val="D4D4D4"/>
-                </a:solidFill>
-                <a:effectLst/>
-                <a:latin typeface="Consolas" panose="020B0609020204030204" pitchFamily="49" charset="0"/>
-              </a:rPr>
-              <a:t> </a:t>
-            </a:r>
-            <a:r>
-              <a:rPr lang="id-ID" sz="2600" b="0" dirty="0">
-                <a:solidFill>
-                  <a:srgbClr val="DCDCAA"/>
-                </a:solidFill>
-                <a:effectLst/>
-                <a:latin typeface="Consolas" panose="020B0609020204030204" pitchFamily="49" charset="0"/>
-              </a:rPr>
-              <a:t>response</a:t>
-            </a:r>
-            <a:r>
-              <a:rPr lang="id-ID" sz="2600" b="0" dirty="0">
-                <a:solidFill>
-                  <a:srgbClr val="D4D4D4"/>
-                </a:solidFill>
-                <a:effectLst/>
-                <a:latin typeface="Consolas" panose="020B0609020204030204" pitchFamily="49" charset="0"/>
-              </a:rPr>
-              <a:t>()-&gt;</a:t>
-            </a:r>
-            <a:r>
-              <a:rPr lang="id-ID" sz="2600" b="0" dirty="0">
-                <a:solidFill>
-                  <a:srgbClr val="DCDCAA"/>
-                </a:solidFill>
-                <a:effectLst/>
-                <a:latin typeface="Consolas" panose="020B0609020204030204" pitchFamily="49" charset="0"/>
-              </a:rPr>
-              <a:t>json</a:t>
-            </a:r>
-            <a:r>
-              <a:rPr lang="id-ID" sz="2600" b="0" dirty="0">
-                <a:solidFill>
-                  <a:srgbClr val="D4D4D4"/>
-                </a:solidFill>
-                <a:effectLst/>
-                <a:latin typeface="Consolas" panose="020B0609020204030204" pitchFamily="49" charset="0"/>
-              </a:rPr>
-              <a:t>([</a:t>
-            </a:r>
-          </a:p>
-          <a:p>
-            <a:pPr marL="0" indent="0">
-              <a:buNone/>
-            </a:pPr>
-            <a:r>
-              <a:rPr lang="id-ID" sz="2600" b="0" dirty="0">
-                <a:solidFill>
-                  <a:srgbClr val="D4D4D4"/>
-                </a:solidFill>
-                <a:effectLst/>
-                <a:latin typeface="Consolas" panose="020B0609020204030204" pitchFamily="49" charset="0"/>
-              </a:rPr>
-              <a:t>                </a:t>
-            </a:r>
-            <a:r>
-              <a:rPr lang="id-ID" sz="2600" b="0" dirty="0">
-                <a:solidFill>
-                  <a:srgbClr val="CE9178"/>
-                </a:solidFill>
-                <a:effectLst/>
-                <a:latin typeface="Consolas" panose="020B0609020204030204" pitchFamily="49" charset="0"/>
-              </a:rPr>
-              <a:t>'message'</a:t>
-            </a:r>
-            <a:r>
-              <a:rPr lang="id-ID" sz="2600" b="0" dirty="0">
-                <a:solidFill>
-                  <a:srgbClr val="D4D4D4"/>
-                </a:solidFill>
-                <a:effectLst/>
-                <a:latin typeface="Consolas" panose="020B0609020204030204" pitchFamily="49" charset="0"/>
-              </a:rPr>
-              <a:t> =&gt; </a:t>
-            </a:r>
-            <a:r>
-              <a:rPr lang="id-ID" sz="2600" b="0" dirty="0">
-                <a:solidFill>
-                  <a:srgbClr val="9CDCFE"/>
-                </a:solidFill>
-                <a:effectLst/>
-                <a:latin typeface="Consolas" panose="020B0609020204030204" pitchFamily="49" charset="0"/>
-              </a:rPr>
-              <a:t>$e</a:t>
-            </a:r>
-            <a:r>
-              <a:rPr lang="id-ID" sz="2600" b="0" dirty="0">
-                <a:solidFill>
-                  <a:srgbClr val="D4D4D4"/>
-                </a:solidFill>
-                <a:effectLst/>
-                <a:latin typeface="Consolas" panose="020B0609020204030204" pitchFamily="49" charset="0"/>
-              </a:rPr>
-              <a:t>-&gt;</a:t>
-            </a:r>
-            <a:r>
-              <a:rPr lang="id-ID" sz="2600" b="0" dirty="0">
-                <a:solidFill>
-                  <a:srgbClr val="DCDCAA"/>
-                </a:solidFill>
-                <a:effectLst/>
-                <a:latin typeface="Consolas" panose="020B0609020204030204" pitchFamily="49" charset="0"/>
-              </a:rPr>
-              <a:t>getMessage</a:t>
-            </a:r>
-            <a:r>
-              <a:rPr lang="id-ID" sz="2600" b="0" dirty="0">
-                <a:solidFill>
-                  <a:srgbClr val="D4D4D4"/>
-                </a:solidFill>
-                <a:effectLst/>
-                <a:latin typeface="Consolas" panose="020B0609020204030204" pitchFamily="49" charset="0"/>
-              </a:rPr>
-              <a:t>()</a:t>
-            </a:r>
-          </a:p>
-          <a:p>
-            <a:pPr marL="0" indent="0">
-              <a:buNone/>
-            </a:pPr>
-            <a:r>
-              <a:rPr lang="id-ID" sz="2600" b="0" dirty="0">
-                <a:solidFill>
-                  <a:srgbClr val="D4D4D4"/>
-                </a:solidFill>
-                <a:effectLst/>
-                <a:latin typeface="Consolas" panose="020B0609020204030204" pitchFamily="49" charset="0"/>
-              </a:rPr>
-              <a:t>            ]);</a:t>
-            </a:r>
-          </a:p>
-          <a:p>
-            <a:pPr marL="0" indent="0">
-              <a:buNone/>
-            </a:pPr>
-            <a:r>
-              <a:rPr lang="id-ID" sz="2600" b="0" dirty="0">
-                <a:solidFill>
-                  <a:srgbClr val="D4D4D4"/>
-                </a:solidFill>
-                <a:effectLst/>
-                <a:latin typeface="Consolas" panose="020B0609020204030204" pitchFamily="49" charset="0"/>
-              </a:rPr>
-              <a:t>        }</a:t>
-            </a:r>
-          </a:p>
-          <a:p>
-            <a:pPr marL="0" indent="0">
-              <a:buNone/>
-            </a:pPr>
-            <a:r>
-              <a:rPr lang="id-ID" sz="2600" b="0" dirty="0">
-                <a:solidFill>
-                  <a:srgbClr val="D4D4D4"/>
-                </a:solidFill>
-                <a:effectLst/>
-                <a:latin typeface="Consolas" panose="020B0609020204030204" pitchFamily="49" charset="0"/>
-              </a:rPr>
-              <a:t>    }</a:t>
-            </a:r>
-          </a:p>
-          <a:p>
-            <a:pPr marL="0" indent="0">
-              <a:buNone/>
-            </a:pPr>
-            <a:endParaRPr lang="id-ID" dirty="0"/>
+            <a:pPr marL="0" indent="0" algn="ctr">
+              <a:buNone/>
+            </a:pPr>
+            <a:endParaRPr lang="id-ID" dirty="0">
+              <a:solidFill>
+                <a:schemeClr val="bg1"/>
+              </a:solidFill>
+            </a:endParaRPr>
           </a:p>
         </p:txBody>
       </p:sp>
     </p:spTree>
     <p:extLst>
       <p:ext uri="{BB962C8B-B14F-4D97-AF65-F5344CB8AC3E}">
-        <p14:creationId xmlns:p14="http://schemas.microsoft.com/office/powerpoint/2010/main" val="434824566"/>
+        <p14:creationId xmlns:p14="http://schemas.microsoft.com/office/powerpoint/2010/main" val="2676765963"/>
       </p:ext>
     </p:extLst>
   </p:cSld>
@@ -6081,360 +6303,6 @@
       </p:grpSpPr>
       <p:sp>
         <p:nvSpPr>
-          <p:cNvPr id="5" name="Content Placeholder 4">
-            <a:extLst>
-              <a:ext uri="{FF2B5EF4-FFF2-40B4-BE49-F238E27FC236}">
-                <a16:creationId xmlns:a16="http://schemas.microsoft.com/office/drawing/2014/main" id="{6558D0A7-9EFE-8C52-5DBD-4A5C581AC21D}"/>
-              </a:ext>
-            </a:extLst>
-          </p:cNvPr>
-          <p:cNvSpPr>
-            <a:spLocks noGrp="1"/>
-          </p:cNvSpPr>
-          <p:nvPr>
-            <p:ph sz="half" idx="1"/>
-          </p:nvPr>
-        </p:nvSpPr>
-        <p:spPr>
-          <a:xfrm>
-            <a:off x="0" y="0"/>
-            <a:ext cx="12192000" cy="6858000"/>
-          </a:xfrm>
-        </p:spPr>
-        <p:txBody>
-          <a:bodyPr/>
-          <a:lstStyle/>
-          <a:p>
-            <a:pPr marL="0" indent="0">
-              <a:buNone/>
-            </a:pPr>
-            <a:endParaRPr lang="id-ID" dirty="0">
-              <a:solidFill>
-                <a:schemeClr val="bg1"/>
-              </a:solidFill>
-            </a:endParaRPr>
-          </a:p>
-          <a:p>
-            <a:pPr marL="0" indent="0" algn="ctr">
-              <a:buNone/>
-            </a:pPr>
-            <a:endParaRPr lang="id-ID" dirty="0">
-              <a:solidFill>
-                <a:schemeClr val="bg1"/>
-              </a:solidFill>
-            </a:endParaRPr>
-          </a:p>
-          <a:p>
-            <a:pPr marL="0" indent="0" algn="ctr">
-              <a:buNone/>
-            </a:pPr>
-            <a:r>
-              <a:rPr lang="id-ID" dirty="0">
-                <a:solidFill>
-                  <a:schemeClr val="bg1"/>
-                </a:solidFill>
-              </a:rPr>
-              <a:t>Endpoint or Route</a:t>
-            </a:r>
-          </a:p>
-          <a:p>
-            <a:pPr marL="0" indent="0">
-              <a:buNone/>
-            </a:pPr>
-            <a:endParaRPr lang="id-ID" b="0" dirty="0">
-              <a:solidFill>
-                <a:srgbClr val="4EC9B0"/>
-              </a:solidFill>
-              <a:effectLst/>
-              <a:latin typeface="Consolas" panose="020B0609020204030204" pitchFamily="49" charset="0"/>
-            </a:endParaRPr>
-          </a:p>
-          <a:p>
-            <a:pPr marL="0" indent="0">
-              <a:buNone/>
-            </a:pPr>
-            <a:endParaRPr lang="id-ID" dirty="0">
-              <a:solidFill>
-                <a:srgbClr val="4EC9B0"/>
-              </a:solidFill>
-              <a:latin typeface="Consolas" panose="020B0609020204030204" pitchFamily="49" charset="0"/>
-            </a:endParaRPr>
-          </a:p>
-          <a:p>
-            <a:pPr marL="0" indent="0" algn="ctr">
-              <a:lnSpc>
-                <a:spcPct val="150000"/>
-              </a:lnSpc>
-              <a:buNone/>
-            </a:pPr>
-            <a:r>
-              <a:rPr lang="en-US" b="0" dirty="0">
-                <a:solidFill>
-                  <a:srgbClr val="4EC9B0"/>
-                </a:solidFill>
-                <a:effectLst/>
-                <a:latin typeface="Consolas" panose="020B0609020204030204" pitchFamily="49" charset="0"/>
-              </a:rPr>
-              <a:t>Route</a:t>
-            </a:r>
-            <a:r>
-              <a:rPr lang="en-US" b="0" dirty="0">
-                <a:solidFill>
-                  <a:srgbClr val="D4D4D4"/>
-                </a:solidFill>
-                <a:effectLst/>
-                <a:latin typeface="Consolas" panose="020B0609020204030204" pitchFamily="49" charset="0"/>
-              </a:rPr>
-              <a:t>::</a:t>
-            </a:r>
-            <a:r>
-              <a:rPr lang="en-US" b="0" dirty="0">
-                <a:solidFill>
-                  <a:srgbClr val="DCDCAA"/>
-                </a:solidFill>
-                <a:effectLst/>
-                <a:latin typeface="Consolas" panose="020B0609020204030204" pitchFamily="49" charset="0"/>
-              </a:rPr>
-              <a:t>resource</a:t>
-            </a:r>
-            <a:r>
-              <a:rPr lang="en-US" b="0" dirty="0">
-                <a:solidFill>
-                  <a:srgbClr val="D4D4D4"/>
-                </a:solidFill>
-                <a:effectLst/>
-                <a:latin typeface="Consolas" panose="020B0609020204030204" pitchFamily="49" charset="0"/>
-              </a:rPr>
-              <a:t>(</a:t>
-            </a:r>
-            <a:r>
-              <a:rPr lang="en-US" b="0" dirty="0">
-                <a:solidFill>
-                  <a:srgbClr val="CE9178"/>
-                </a:solidFill>
-                <a:effectLst/>
-                <a:latin typeface="Consolas" panose="020B0609020204030204" pitchFamily="49" charset="0"/>
-              </a:rPr>
-              <a:t>'/</a:t>
-            </a:r>
-            <a:r>
-              <a:rPr lang="en-US" b="0" dirty="0" err="1">
-                <a:solidFill>
-                  <a:srgbClr val="CE9178"/>
-                </a:solidFill>
-                <a:effectLst/>
-                <a:latin typeface="Consolas" panose="020B0609020204030204" pitchFamily="49" charset="0"/>
-              </a:rPr>
-              <a:t>sisw</a:t>
-            </a:r>
-            <a:r>
-              <a:rPr lang="id-ID" b="0" dirty="0">
-                <a:solidFill>
-                  <a:srgbClr val="CE9178"/>
-                </a:solidFill>
-                <a:effectLst/>
-                <a:latin typeface="Consolas" panose="020B0609020204030204" pitchFamily="49" charset="0"/>
-              </a:rPr>
-              <a:t>a</a:t>
-            </a:r>
-            <a:r>
-              <a:rPr lang="en-US" b="0" dirty="0">
-                <a:solidFill>
-                  <a:srgbClr val="CE9178"/>
-                </a:solidFill>
-                <a:effectLst/>
-                <a:latin typeface="Consolas" panose="020B0609020204030204" pitchFamily="49" charset="0"/>
-              </a:rPr>
-              <a:t>'</a:t>
-            </a:r>
-            <a:r>
-              <a:rPr lang="en-US" b="0" dirty="0">
-                <a:solidFill>
-                  <a:srgbClr val="D4D4D4"/>
-                </a:solidFill>
-                <a:effectLst/>
-                <a:latin typeface="Consolas" panose="020B0609020204030204" pitchFamily="49" charset="0"/>
-              </a:rPr>
-              <a:t>,</a:t>
-            </a:r>
-            <a:r>
-              <a:rPr lang="en-US" b="0" dirty="0">
-                <a:solidFill>
-                  <a:srgbClr val="4EC9B0"/>
-                </a:solidFill>
-                <a:effectLst/>
-                <a:latin typeface="Consolas" panose="020B0609020204030204" pitchFamily="49" charset="0"/>
-              </a:rPr>
-              <a:t>Res</a:t>
-            </a:r>
-            <a:r>
-              <a:rPr lang="id-ID" b="0" dirty="0">
-                <a:solidFill>
-                  <a:srgbClr val="4EC9B0"/>
-                </a:solidFill>
-                <a:effectLst/>
-                <a:latin typeface="Consolas" panose="020B0609020204030204" pitchFamily="49" charset="0"/>
-              </a:rPr>
-              <a:t>T</a:t>
-            </a:r>
-            <a:r>
-              <a:rPr lang="en-US" b="0" dirty="0">
-                <a:solidFill>
-                  <a:srgbClr val="4EC9B0"/>
-                </a:solidFill>
-                <a:effectLst/>
-                <a:latin typeface="Consolas" panose="020B0609020204030204" pitchFamily="49" charset="0"/>
-              </a:rPr>
-              <a:t>A</a:t>
-            </a:r>
-            <a:r>
-              <a:rPr lang="id-ID" b="0" dirty="0">
-                <a:solidFill>
-                  <a:srgbClr val="4EC9B0"/>
-                </a:solidFill>
-                <a:effectLst/>
-                <a:latin typeface="Consolas" panose="020B0609020204030204" pitchFamily="49" charset="0"/>
-              </a:rPr>
-              <a:t>p</a:t>
-            </a:r>
-            <a:r>
-              <a:rPr lang="en-US" b="0" dirty="0">
-                <a:solidFill>
-                  <a:srgbClr val="4EC9B0"/>
-                </a:solidFill>
-                <a:effectLst/>
-                <a:latin typeface="Consolas" panose="020B0609020204030204" pitchFamily="49" charset="0"/>
-              </a:rPr>
-              <a:t>i</a:t>
-            </a:r>
-            <a:r>
-              <a:rPr lang="en-US" b="0" dirty="0">
-                <a:solidFill>
-                  <a:srgbClr val="D4D4D4"/>
-                </a:solidFill>
-                <a:effectLst/>
-                <a:latin typeface="Consolas" panose="020B0609020204030204" pitchFamily="49" charset="0"/>
-              </a:rPr>
-              <a:t>::</a:t>
-            </a:r>
-            <a:r>
-              <a:rPr lang="en-US" b="0" dirty="0">
-                <a:solidFill>
-                  <a:srgbClr val="569CD6"/>
-                </a:solidFill>
-                <a:effectLst/>
-                <a:latin typeface="Consolas" panose="020B0609020204030204" pitchFamily="49" charset="0"/>
-              </a:rPr>
-              <a:t>class</a:t>
-            </a:r>
-            <a:r>
-              <a:rPr lang="en-US" b="0" dirty="0">
-                <a:solidFill>
-                  <a:srgbClr val="D4D4D4"/>
-                </a:solidFill>
-                <a:effectLst/>
-                <a:latin typeface="Consolas" panose="020B0609020204030204" pitchFamily="49" charset="0"/>
-              </a:rPr>
-              <a:t>);</a:t>
-            </a:r>
-          </a:p>
-          <a:p>
-            <a:pPr marL="0" indent="0">
-              <a:buNone/>
-            </a:pPr>
-            <a:r>
-              <a:rPr lang="id-ID" b="0" dirty="0">
-                <a:solidFill>
-                  <a:srgbClr val="D4D4D4"/>
-                </a:solidFill>
-                <a:effectLst/>
-                <a:latin typeface="Consolas" panose="020B0609020204030204" pitchFamily="49" charset="0"/>
-              </a:rPr>
-              <a:t> </a:t>
-            </a:r>
-          </a:p>
-          <a:p>
-            <a:pPr marL="0" indent="0" algn="ctr">
-              <a:buNone/>
-            </a:pPr>
-            <a:r>
-              <a:rPr lang="id-ID" dirty="0">
-                <a:solidFill>
-                  <a:srgbClr val="D4D4D4"/>
-                </a:solidFill>
-                <a:latin typeface="Consolas" panose="020B0609020204030204" pitchFamily="49" charset="0"/>
-              </a:rPr>
-              <a:t>(http://127.0.0.1:8000/api/siswa)</a:t>
-            </a:r>
-            <a:br>
-              <a:rPr lang="en-US" b="0" dirty="0">
-                <a:solidFill>
-                  <a:srgbClr val="D4D4D4"/>
-                </a:solidFill>
-                <a:effectLst/>
-                <a:latin typeface="Consolas" panose="020B0609020204030204" pitchFamily="49" charset="0"/>
-              </a:rPr>
-            </a:br>
-            <a:endParaRPr lang="en-US" b="0" dirty="0">
-              <a:solidFill>
-                <a:srgbClr val="D4D4D4"/>
-              </a:solidFill>
-              <a:effectLst/>
-              <a:latin typeface="Consolas" panose="020B0609020204030204" pitchFamily="49" charset="0"/>
-            </a:endParaRPr>
-          </a:p>
-          <a:p>
-            <a:pPr marL="0" indent="0" algn="ctr">
-              <a:buNone/>
-            </a:pPr>
-            <a:endParaRPr lang="id-ID" dirty="0">
-              <a:solidFill>
-                <a:schemeClr val="bg1"/>
-              </a:solidFill>
-            </a:endParaRPr>
-          </a:p>
-        </p:txBody>
-      </p:sp>
-    </p:spTree>
-    <p:extLst>
-      <p:ext uri="{BB962C8B-B14F-4D97-AF65-F5344CB8AC3E}">
-        <p14:creationId xmlns:p14="http://schemas.microsoft.com/office/powerpoint/2010/main" val="2676765963"/>
-      </p:ext>
-    </p:extLst>
-  </p:cSld>
-  <p:clrMapOvr>
-    <a:masterClrMapping/>
-  </p:clrMapOvr>
-</p:sld>
-</file>
-
-<file path=ppt/slides/slide21.xml><?xml version="1.0" encoding="utf-8"?>
-<p:sld xmlns:a="http://schemas.openxmlformats.org/drawingml/2006/main" xmlns:r="http://schemas.openxmlformats.org/officeDocument/2006/relationships" xmlns:p="http://schemas.openxmlformats.org/presentationml/2006/main">
-  <p:cSld>
-    <p:bg>
-      <p:bgPr>
-        <a:solidFill>
-          <a:schemeClr val="tx1"/>
-        </a:solidFill>
-        <a:effectLst/>
-      </p:bgPr>
-    </p:bg>
-    <p:spTree>
-      <p:nvGrpSpPr>
-        <p:cNvPr id="1" name=""/>
-        <p:cNvGrpSpPr/>
-        <p:nvPr/>
-      </p:nvGrpSpPr>
-      <p:grpSpPr>
-        <a:xfrm>
-          <a:off x="0" y="0"/>
-          <a:ext cx="0" cy="0"/>
-          <a:chOff x="0" y="0"/>
-          <a:chExt cx="0" cy="0"/>
-        </a:xfrm>
-      </p:grpSpPr>
-      <p:sp>
-        <p:nvSpPr>
           <p:cNvPr id="6" name="Content Placeholder 5">
             <a:extLst>
               <a:ext uri="{FF2B5EF4-FFF2-40B4-BE49-F238E27FC236}">
@@ -6958,7 +6826,7 @@
 </p:sld>
 </file>
 
-<file path=ppt/slides/slide22.xml><?xml version="1.0" encoding="utf-8"?>
+<file path=ppt/slides/slide21.xml><?xml version="1.0" encoding="utf-8"?>
 <p:sld xmlns:a="http://schemas.openxmlformats.org/drawingml/2006/main" xmlns:r="http://schemas.openxmlformats.org/officeDocument/2006/relationships" xmlns:p="http://schemas.openxmlformats.org/presentationml/2006/main">
   <p:cSld>
     <p:bg>
@@ -7158,348 +7026,6 @@
           <a:chExt cx="0" cy="0"/>
         </a:xfrm>
       </p:grpSpPr>
-      <p:pic>
-        <p:nvPicPr>
-          <p:cNvPr id="6" name="Content Placeholder 5">
-            <a:extLst>
-              <a:ext uri="{FF2B5EF4-FFF2-40B4-BE49-F238E27FC236}">
-                <a16:creationId xmlns:a16="http://schemas.microsoft.com/office/drawing/2014/main" id="{056F4D18-1C88-06EE-3900-A0C284B560B2}"/>
-              </a:ext>
-            </a:extLst>
-          </p:cNvPr>
-          <p:cNvPicPr>
-            <a:picLocks noGrp="1" noChangeAspect="1"/>
-          </p:cNvPicPr>
-          <p:nvPr>
-            <p:ph idx="1"/>
-          </p:nvPr>
-        </p:nvPicPr>
-        <p:blipFill>
-          <a:blip r:embed="rId2">
-            <a:extLst>
-              <a:ext uri="{28A0092B-C50C-407E-A947-70E740481C1C}">
-                <a14:useLocalDpi xmlns:a14="http://schemas.microsoft.com/office/drawing/2010/main" val="0"/>
-              </a:ext>
-            </a:extLst>
-          </a:blip>
-          <a:stretch>
-            <a:fillRect/>
-          </a:stretch>
-        </p:blipFill>
-        <p:spPr>
-          <a:xfrm>
-            <a:off x="2466110" y="2115411"/>
-            <a:ext cx="7690426" cy="3170099"/>
-          </a:xfrm>
-        </p:spPr>
-      </p:pic>
-      <p:sp>
-        <p:nvSpPr>
-          <p:cNvPr id="4" name="Rectangle 1">
-            <a:extLst>
-              <a:ext uri="{FF2B5EF4-FFF2-40B4-BE49-F238E27FC236}">
-                <a16:creationId xmlns:a16="http://schemas.microsoft.com/office/drawing/2014/main" id="{0228F3AE-F537-D2CF-4353-8975B5A3FFA8}"/>
-              </a:ext>
-            </a:extLst>
-          </p:cNvPr>
-          <p:cNvSpPr>
-            <a:spLocks noGrp="1" noChangeArrowheads="1"/>
-          </p:cNvSpPr>
-          <p:nvPr>
-            <p:ph type="title"/>
-          </p:nvPr>
-        </p:nvSpPr>
-        <p:spPr bwMode="auto">
-          <a:xfrm>
-            <a:off x="4340711" y="-557143"/>
-            <a:ext cx="3510577" cy="3170099"/>
-          </a:xfrm>
-          <a:prstGeom prst="rect">
-            <a:avLst/>
-          </a:prstGeom>
-          <a:noFill/>
-          <a:ln>
-            <a:noFill/>
-          </a:ln>
-          <a:effectLst/>
-          <a:extLst>
-            <a:ext uri="{909E8E84-426E-40DD-AFC4-6F175D3DCCD1}">
-              <a14:hiddenFill xmlns:a14="http://schemas.microsoft.com/office/drawing/2010/main">
-                <a:solidFill>
-                  <a:schemeClr val="accent1"/>
-                </a:solidFill>
-              </a14:hiddenFill>
-            </a:ext>
-            <a:ext uri="{91240B29-F687-4F45-9708-019B960494DF}">
-              <a14:hiddenLine xmlns:a14="http://schemas.microsoft.com/office/drawing/2010/main" w="9525">
-                <a:solidFill>
-                  <a:schemeClr val="tx1"/>
-                </a:solidFill>
-                <a:miter lim="800000"/>
-                <a:headEnd/>
-                <a:tailEnd/>
-              </a14:hiddenLine>
-            </a:ext>
-            <a:ext uri="{AF507438-7753-43E0-B8FC-AC1667EBCBE1}">
-              <a14:hiddenEffects xmlns:a14="http://schemas.microsoft.com/office/drawing/2010/main">
-                <a:effectLst>
-                  <a:outerShdw dist="35921" dir="2700000" algn="ctr" rotWithShape="0">
-                    <a:schemeClr val="bg2"/>
-                  </a:outerShdw>
-                </a:effectLst>
-              </a14:hiddenEffects>
-            </a:ext>
-          </a:extLst>
-        </p:spPr>
-        <p:txBody>
-          <a:bodyPr vert="horz" wrap="none" lIns="0" tIns="0" rIns="0" bIns="0" numCol="1" anchor="ctr" anchorCtr="0" compatLnSpc="1">
-            <a:prstTxWarp prst="textNoShape">
-              <a:avLst/>
-            </a:prstTxWarp>
-            <a:spAutoFit/>
-          </a:bodyPr>
-          <a:lstStyle>
-            <a:lvl1pPr eaLnBrk="0" fontAlgn="base" hangingPunct="0">
-              <a:spcBef>
-                <a:spcPct val="0"/>
-              </a:spcBef>
-              <a:spcAft>
-                <a:spcPct val="0"/>
-              </a:spcAft>
-              <a:defRPr>
-                <a:solidFill>
-                  <a:schemeClr val="tx1"/>
-                </a:solidFill>
-                <a:latin typeface="Arial" panose="020B0604020202020204" pitchFamily="34" charset="0"/>
-              </a:defRPr>
-            </a:lvl1pPr>
-            <a:lvl2pPr eaLnBrk="0" fontAlgn="base" hangingPunct="0">
-              <a:spcBef>
-                <a:spcPct val="0"/>
-              </a:spcBef>
-              <a:spcAft>
-                <a:spcPct val="0"/>
-              </a:spcAft>
-              <a:defRPr>
-                <a:solidFill>
-                  <a:schemeClr val="tx1"/>
-                </a:solidFill>
-                <a:latin typeface="Arial" panose="020B0604020202020204" pitchFamily="34" charset="0"/>
-              </a:defRPr>
-            </a:lvl2pPr>
-            <a:lvl3pPr eaLnBrk="0" fontAlgn="base" hangingPunct="0">
-              <a:spcBef>
-                <a:spcPct val="0"/>
-              </a:spcBef>
-              <a:spcAft>
-                <a:spcPct val="0"/>
-              </a:spcAft>
-              <a:defRPr>
-                <a:solidFill>
-                  <a:schemeClr val="tx1"/>
-                </a:solidFill>
-                <a:latin typeface="Arial" panose="020B0604020202020204" pitchFamily="34" charset="0"/>
-              </a:defRPr>
-            </a:lvl3pPr>
-            <a:lvl4pPr eaLnBrk="0" fontAlgn="base" hangingPunct="0">
-              <a:spcBef>
-                <a:spcPct val="0"/>
-              </a:spcBef>
-              <a:spcAft>
-                <a:spcPct val="0"/>
-              </a:spcAft>
-              <a:defRPr>
-                <a:solidFill>
-                  <a:schemeClr val="tx1"/>
-                </a:solidFill>
-                <a:latin typeface="Arial" panose="020B0604020202020204" pitchFamily="34" charset="0"/>
-              </a:defRPr>
-            </a:lvl4pPr>
-            <a:lvl5pPr eaLnBrk="0" fontAlgn="base" hangingPunct="0">
-              <a:spcBef>
-                <a:spcPct val="0"/>
-              </a:spcBef>
-              <a:spcAft>
-                <a:spcPct val="0"/>
-              </a:spcAft>
-              <a:defRPr>
-                <a:solidFill>
-                  <a:schemeClr val="tx1"/>
-                </a:solidFill>
-                <a:latin typeface="Arial" panose="020B0604020202020204" pitchFamily="34" charset="0"/>
-              </a:defRPr>
-            </a:lvl5pPr>
-            <a:lvl6pPr eaLnBrk="0" fontAlgn="base" hangingPunct="0">
-              <a:spcBef>
-                <a:spcPct val="0"/>
-              </a:spcBef>
-              <a:spcAft>
-                <a:spcPct val="0"/>
-              </a:spcAft>
-              <a:defRPr>
-                <a:solidFill>
-                  <a:schemeClr val="tx1"/>
-                </a:solidFill>
-                <a:latin typeface="Arial" panose="020B0604020202020204" pitchFamily="34" charset="0"/>
-              </a:defRPr>
-            </a:lvl6pPr>
-            <a:lvl7pPr eaLnBrk="0" fontAlgn="base" hangingPunct="0">
-              <a:spcBef>
-                <a:spcPct val="0"/>
-              </a:spcBef>
-              <a:spcAft>
-                <a:spcPct val="0"/>
-              </a:spcAft>
-              <a:defRPr>
-                <a:solidFill>
-                  <a:schemeClr val="tx1"/>
-                </a:solidFill>
-                <a:latin typeface="Arial" panose="020B0604020202020204" pitchFamily="34" charset="0"/>
-              </a:defRPr>
-            </a:lvl7pPr>
-            <a:lvl8pPr eaLnBrk="0" fontAlgn="base" hangingPunct="0">
-              <a:spcBef>
-                <a:spcPct val="0"/>
-              </a:spcBef>
-              <a:spcAft>
-                <a:spcPct val="0"/>
-              </a:spcAft>
-              <a:defRPr>
-                <a:solidFill>
-                  <a:schemeClr val="tx1"/>
-                </a:solidFill>
-                <a:latin typeface="Arial" panose="020B0604020202020204" pitchFamily="34" charset="0"/>
-              </a:defRPr>
-            </a:lvl8pPr>
-            <a:lvl9pPr eaLnBrk="0" fontAlgn="base" hangingPunct="0">
-              <a:spcBef>
-                <a:spcPct val="0"/>
-              </a:spcBef>
-              <a:spcAft>
-                <a:spcPct val="0"/>
-              </a:spcAft>
-              <a:defRPr>
-                <a:solidFill>
-                  <a:schemeClr val="tx1"/>
-                </a:solidFill>
-                <a:latin typeface="Arial" panose="020B0604020202020204" pitchFamily="34" charset="0"/>
-              </a:defRPr>
-            </a:lvl9pPr>
-          </a:lstStyle>
-          <a:p>
-            <a:pPr marL="0" marR="0" lvl="0" indent="0" algn="ctr" defTabSz="914400" rtl="0" eaLnBrk="0" fontAlgn="base" latinLnBrk="0" hangingPunct="0">
-              <a:lnSpc>
-                <a:spcPct val="100000"/>
-              </a:lnSpc>
-              <a:spcBef>
-                <a:spcPct val="0"/>
-              </a:spcBef>
-              <a:spcAft>
-                <a:spcPct val="0"/>
-              </a:spcAft>
-              <a:buClrTx/>
-              <a:buSzTx/>
-              <a:buFontTx/>
-              <a:buNone/>
-              <a:tabLst/>
-            </a:pPr>
-            <a:br>
-              <a:rPr kumimoji="0" lang="id-ID" altLang="id-ID" sz="4800" b="1" i="0" u="none" strike="noStrike" cap="none" normalizeH="0" baseline="0" dirty="0">
-                <a:ln>
-                  <a:noFill/>
-                </a:ln>
-                <a:solidFill>
-                  <a:schemeClr val="tx1"/>
-                </a:solidFill>
-                <a:effectLst/>
-                <a:latin typeface="inherit"/>
-              </a:rPr>
-            </a:br>
-            <a:br>
-              <a:rPr lang="id-ID" altLang="id-ID" sz="4800" b="1" dirty="0">
-                <a:latin typeface="inherit"/>
-              </a:rPr>
-            </a:br>
-            <a:r>
-              <a:rPr kumimoji="0" lang="id-ID" altLang="id-ID" sz="4800" b="1" i="0" u="none" strike="noStrike" cap="none" normalizeH="0" baseline="0" dirty="0">
-                <a:ln>
-                  <a:noFill/>
-                </a:ln>
-                <a:solidFill>
-                  <a:schemeClr val="tx1"/>
-                </a:solidFill>
-                <a:effectLst/>
-                <a:latin typeface="inherit"/>
-              </a:rPr>
-              <a:t>WHO'S THIS ?</a:t>
-            </a:r>
-            <a:br>
-              <a:rPr kumimoji="0" lang="id-ID" altLang="id-ID" sz="4800" b="1" i="0" u="none" strike="noStrike" cap="none" normalizeH="0" baseline="0" dirty="0">
-                <a:ln>
-                  <a:noFill/>
-                </a:ln>
-                <a:solidFill>
-                  <a:schemeClr val="tx1"/>
-                </a:solidFill>
-                <a:effectLst/>
-              </a:rPr>
-            </a:br>
-            <a:br>
-              <a:rPr kumimoji="0" lang="id-ID" altLang="id-ID" b="0" i="0" u="none" strike="noStrike" cap="none" normalizeH="0" baseline="0" dirty="0">
-                <a:ln>
-                  <a:noFill/>
-                </a:ln>
-                <a:solidFill>
-                  <a:srgbClr val="202124"/>
-                </a:solidFill>
-                <a:effectLst/>
-                <a:latin typeface="Arial" panose="020B0604020202020204" pitchFamily="34" charset="0"/>
-                <a:cs typeface="Arial" panose="020B0604020202020204" pitchFamily="34" charset="0"/>
-              </a:rPr>
-            </a:br>
-            <a:endParaRPr kumimoji="0" lang="id-ID" altLang="id-ID" sz="1800" b="0" i="0" u="none" strike="noStrike" cap="none" normalizeH="0" baseline="0" dirty="0">
-              <a:ln>
-                <a:noFill/>
-              </a:ln>
-              <a:solidFill>
-                <a:schemeClr val="tx1"/>
-              </a:solidFill>
-              <a:effectLst/>
-              <a:latin typeface="Arial" panose="020B0604020202020204" pitchFamily="34" charset="0"/>
-            </a:endParaRPr>
-          </a:p>
-        </p:txBody>
-      </p:sp>
-    </p:spTree>
-    <p:extLst>
-      <p:ext uri="{BB962C8B-B14F-4D97-AF65-F5344CB8AC3E}">
-        <p14:creationId xmlns:p14="http://schemas.microsoft.com/office/powerpoint/2010/main" val="1756107344"/>
-      </p:ext>
-    </p:extLst>
-  </p:cSld>
-  <p:clrMapOvr>
-    <a:masterClrMapping/>
-  </p:clrMapOvr>
-</p:sld>
-</file>
-
-<file path=ppt/slides/slide4.xml><?xml version="1.0" encoding="utf-8"?>
-<p:sld xmlns:a="http://schemas.openxmlformats.org/drawingml/2006/main" xmlns:r="http://schemas.openxmlformats.org/officeDocument/2006/relationships" xmlns:p="http://schemas.openxmlformats.org/presentationml/2006/main">
-  <p:cSld>
-    <p:spTree>
-      <p:nvGrpSpPr>
-        <p:cNvPr id="1" name=""/>
-        <p:cNvGrpSpPr/>
-        <p:nvPr/>
-      </p:nvGrpSpPr>
-      <p:grpSpPr>
-        <a:xfrm>
-          <a:off x="0" y="0"/>
-          <a:ext cx="0" cy="0"/>
-          <a:chOff x="0" y="0"/>
-          <a:chExt cx="0" cy="0"/>
-        </a:xfrm>
-      </p:grpSpPr>
       <p:sp>
         <p:nvSpPr>
           <p:cNvPr id="13" name="Title 11">
@@ -7683,10 +7209,10 @@
       </p:sp>
       <p:pic>
         <p:nvPicPr>
-          <p:cNvPr id="15" name="Picture 14">
-            <a:extLst>
-              <a:ext uri="{FF2B5EF4-FFF2-40B4-BE49-F238E27FC236}">
-                <a16:creationId xmlns:a16="http://schemas.microsoft.com/office/drawing/2014/main" id="{29004965-3F41-8484-AD3D-C72A5A261262}"/>
+          <p:cNvPr id="3" name="Picture 2">
+            <a:extLst>
+              <a:ext uri="{FF2B5EF4-FFF2-40B4-BE49-F238E27FC236}">
+                <a16:creationId xmlns:a16="http://schemas.microsoft.com/office/drawing/2014/main" id="{18B8A84A-5076-577D-5D69-6ED13FF724EE}"/>
               </a:ext>
             </a:extLst>
           </p:cNvPr>
@@ -7709,8 +7235,8 @@
         </p:blipFill>
         <p:spPr>
           <a:xfrm>
-            <a:off x="4682836" y="359785"/>
-            <a:ext cx="2258291" cy="2619375"/>
+            <a:off x="3430515" y="422690"/>
+            <a:ext cx="5081588" cy="3006310"/>
           </a:xfrm>
           <a:prstGeom prst="rect">
             <a:avLst/>
@@ -7727,10 +7253,231 @@
   <p:clrMapOvr>
     <a:masterClrMapping/>
   </p:clrMapOvr>
+  <p:timing>
+    <p:tnLst>
+      <p:par>
+        <p:cTn id="1" dur="indefinite" restart="never" nodeType="tmRoot">
+          <p:childTnLst>
+            <p:seq concurrent="1" nextAc="seek">
+              <p:cTn id="2" restart="whenNotActive" fill="hold" evtFilter="cancelBubble" nodeType="interactiveSeq">
+                <p:stCondLst>
+                  <p:cond evt="onClick" delay="0">
+                    <p:tgtEl>
+                      <p:spTgt spid="3"/>
+                    </p:tgtEl>
+                  </p:cond>
+                </p:stCondLst>
+                <p:endSync evt="end" delay="0">
+                  <p:rtn val="all"/>
+                </p:endSync>
+                <p:childTnLst>
+                  <p:par>
+                    <p:cTn id="3" fill="hold">
+                      <p:stCondLst>
+                        <p:cond delay="0"/>
+                      </p:stCondLst>
+                      <p:childTnLst>
+                        <p:par>
+                          <p:cTn id="4" fill="hold">
+                            <p:stCondLst>
+                              <p:cond delay="0"/>
+                            </p:stCondLst>
+                            <p:childTnLst>
+                              <p:par>
+                                <p:cTn id="5" presetID="16" presetClass="entr" presetSubtype="21" fill="hold" nodeType="clickEffect">
+                                  <p:stCondLst>
+                                    <p:cond delay="0"/>
+                                  </p:stCondLst>
+                                  <p:childTnLst>
+                                    <p:set>
+                                      <p:cBhvr>
+                                        <p:cTn id="6" dur="1" fill="hold">
+                                          <p:stCondLst>
+                                            <p:cond delay="0"/>
+                                          </p:stCondLst>
+                                        </p:cTn>
+                                        <p:tgtEl>
+                                          <p:spTgt spid="13">
+                                            <p:txEl>
+                                              <p:pRg st="7" end="7"/>
+                                            </p:txEl>
+                                          </p:spTgt>
+                                        </p:tgtEl>
+                                        <p:attrNameLst>
+                                          <p:attrName>style.visibility</p:attrName>
+                                        </p:attrNameLst>
+                                      </p:cBhvr>
+                                      <p:to>
+                                        <p:strVal val="visible"/>
+                                      </p:to>
+                                    </p:set>
+                                    <p:animEffect transition="in" filter="barn(inVertical)">
+                                      <p:cBhvr>
+                                        <p:cTn id="7" dur="500"/>
+                                        <p:tgtEl>
+                                          <p:spTgt spid="13">
+                                            <p:txEl>
+                                              <p:pRg st="7" end="7"/>
+                                            </p:txEl>
+                                          </p:spTgt>
+                                        </p:tgtEl>
+                                      </p:cBhvr>
+                                    </p:animEffect>
+                                  </p:childTnLst>
+                                </p:cTn>
+                              </p:par>
+                            </p:childTnLst>
+                          </p:cTn>
+                        </p:par>
+                      </p:childTnLst>
+                    </p:cTn>
+                  </p:par>
+                </p:childTnLst>
+              </p:cTn>
+              <p:nextCondLst>
+                <p:cond evt="onClick" delay="0">
+                  <p:tgtEl>
+                    <p:spTgt spid="3"/>
+                  </p:tgtEl>
+                </p:cond>
+              </p:nextCondLst>
+            </p:seq>
+            <p:seq concurrent="1" nextAc="seek">
+              <p:cTn id="8" restart="whenNotActive" fill="hold" evtFilter="cancelBubble" nodeType="interactiveSeq">
+                <p:stCondLst>
+                  <p:cond evt="onClick" delay="0">
+                    <p:tgtEl>
+                      <p:spTgt spid="13"/>
+                    </p:tgtEl>
+                  </p:cond>
+                </p:stCondLst>
+                <p:endSync evt="end" delay="0">
+                  <p:rtn val="all"/>
+                </p:endSync>
+                <p:childTnLst>
+                  <p:par>
+                    <p:cTn id="9" fill="hold">
+                      <p:stCondLst>
+                        <p:cond delay="0"/>
+                      </p:stCondLst>
+                      <p:childTnLst>
+                        <p:par>
+                          <p:cTn id="10" fill="hold">
+                            <p:stCondLst>
+                              <p:cond delay="0"/>
+                            </p:stCondLst>
+                            <p:childTnLst>
+                              <p:par>
+                                <p:cTn id="11" presetID="16" presetClass="entr" presetSubtype="21" fill="hold" nodeType="clickEffect">
+                                  <p:stCondLst>
+                                    <p:cond delay="0"/>
+                                  </p:stCondLst>
+                                  <p:childTnLst>
+                                    <p:set>
+                                      <p:cBhvr>
+                                        <p:cTn id="12" dur="1" fill="hold">
+                                          <p:stCondLst>
+                                            <p:cond delay="0"/>
+                                          </p:stCondLst>
+                                        </p:cTn>
+                                        <p:tgtEl>
+                                          <p:spTgt spid="13">
+                                            <p:txEl>
+                                              <p:pRg st="8" end="8"/>
+                                            </p:txEl>
+                                          </p:spTgt>
+                                        </p:tgtEl>
+                                        <p:attrNameLst>
+                                          <p:attrName>style.visibility</p:attrName>
+                                        </p:attrNameLst>
+                                      </p:cBhvr>
+                                      <p:to>
+                                        <p:strVal val="visible"/>
+                                      </p:to>
+                                    </p:set>
+                                    <p:animEffect transition="in" filter="barn(inVertical)">
+                                      <p:cBhvr>
+                                        <p:cTn id="13" dur="500"/>
+                                        <p:tgtEl>
+                                          <p:spTgt spid="13">
+                                            <p:txEl>
+                                              <p:pRg st="8" end="8"/>
+                                            </p:txEl>
+                                          </p:spTgt>
+                                        </p:tgtEl>
+                                      </p:cBhvr>
+                                    </p:animEffect>
+                                  </p:childTnLst>
+                                </p:cTn>
+                              </p:par>
+                              <p:par>
+                                <p:cTn id="14" presetID="16" presetClass="entr" presetSubtype="21" fill="hold" nodeType="withEffect">
+                                  <p:stCondLst>
+                                    <p:cond delay="0"/>
+                                  </p:stCondLst>
+                                  <p:childTnLst>
+                                    <p:set>
+                                      <p:cBhvr>
+                                        <p:cTn id="15" dur="1" fill="hold">
+                                          <p:stCondLst>
+                                            <p:cond delay="0"/>
+                                          </p:stCondLst>
+                                        </p:cTn>
+                                        <p:tgtEl>
+                                          <p:spTgt spid="13">
+                                            <p:txEl>
+                                              <p:pRg st="9" end="9"/>
+                                            </p:txEl>
+                                          </p:spTgt>
+                                        </p:tgtEl>
+                                        <p:attrNameLst>
+                                          <p:attrName>style.visibility</p:attrName>
+                                        </p:attrNameLst>
+                                      </p:cBhvr>
+                                      <p:to>
+                                        <p:strVal val="visible"/>
+                                      </p:to>
+                                    </p:set>
+                                    <p:animEffect transition="in" filter="barn(inVertical)">
+                                      <p:cBhvr>
+                                        <p:cTn id="16" dur="500"/>
+                                        <p:tgtEl>
+                                          <p:spTgt spid="13">
+                                            <p:txEl>
+                                              <p:pRg st="9" end="9"/>
+                                            </p:txEl>
+                                          </p:spTgt>
+                                        </p:tgtEl>
+                                      </p:cBhvr>
+                                    </p:animEffect>
+                                  </p:childTnLst>
+                                </p:cTn>
+                              </p:par>
+                            </p:childTnLst>
+                          </p:cTn>
+                        </p:par>
+                      </p:childTnLst>
+                    </p:cTn>
+                  </p:par>
+                </p:childTnLst>
+              </p:cTn>
+              <p:nextCondLst>
+                <p:cond evt="onClick" delay="0">
+                  <p:tgtEl>
+                    <p:spTgt spid="13"/>
+                  </p:tgtEl>
+                </p:cond>
+              </p:nextCondLst>
+            </p:seq>
+          </p:childTnLst>
+        </p:cTn>
+      </p:par>
+    </p:tnLst>
+  </p:timing>
 </p:sld>
 </file>
 
-<file path=ppt/slides/slide5.xml><?xml version="1.0" encoding="utf-8"?>
+<file path=ppt/slides/slide4.xml><?xml version="1.0" encoding="utf-8"?>
 <p:sld xmlns:a="http://schemas.openxmlformats.org/drawingml/2006/main" xmlns:r="http://schemas.openxmlformats.org/officeDocument/2006/relationships" xmlns:p="http://schemas.openxmlformats.org/presentationml/2006/main">
   <p:cSld>
     <p:spTree>
@@ -7844,6 +7591,70 @@
 </p:sld>
 </file>
 
+<file path=ppt/slides/slide5.xml><?xml version="1.0" encoding="utf-8"?>
+<p:sld xmlns:a="http://schemas.openxmlformats.org/drawingml/2006/main" xmlns:r="http://schemas.openxmlformats.org/officeDocument/2006/relationships" xmlns:p="http://schemas.openxmlformats.org/presentationml/2006/main">
+  <p:cSld>
+    <p:spTree>
+      <p:nvGrpSpPr>
+        <p:cNvPr id="1" name=""/>
+        <p:cNvGrpSpPr/>
+        <p:nvPr/>
+      </p:nvGrpSpPr>
+      <p:grpSpPr>
+        <a:xfrm>
+          <a:off x="0" y="0"/>
+          <a:ext cx="0" cy="0"/>
+          <a:chOff x="0" y="0"/>
+          <a:chExt cx="0" cy="0"/>
+        </a:xfrm>
+      </p:grpSpPr>
+      <p:pic>
+        <p:nvPicPr>
+          <p:cNvPr id="5" name="Content Placeholder 4">
+            <a:extLst>
+              <a:ext uri="{FF2B5EF4-FFF2-40B4-BE49-F238E27FC236}">
+                <a16:creationId xmlns:a16="http://schemas.microsoft.com/office/drawing/2014/main" id="{759AA8EB-1C37-CAEF-78EB-FFBBE92F7ADE}"/>
+              </a:ext>
+            </a:extLst>
+          </p:cNvPr>
+          <p:cNvPicPr>
+            <a:picLocks noGrp="1" noChangeAspect="1"/>
+          </p:cNvPicPr>
+          <p:nvPr>
+            <p:ph idx="1"/>
+          </p:nvPr>
+        </p:nvPicPr>
+        <p:blipFill rotWithShape="1">
+          <a:blip r:embed="rId2">
+            <a:extLst>
+              <a:ext uri="{28A0092B-C50C-407E-A947-70E740481C1C}">
+                <a14:useLocalDpi xmlns:a14="http://schemas.microsoft.com/office/drawing/2010/main" val="0"/>
+              </a:ext>
+            </a:extLst>
+          </a:blip>
+          <a:srcRect t="16948"/>
+          <a:stretch/>
+        </p:blipFill>
+        <p:spPr>
+          <a:xfrm>
+            <a:off x="3253917" y="1448882"/>
+            <a:ext cx="5684165" cy="3960236"/>
+          </a:xfrm>
+        </p:spPr>
+      </p:pic>
+    </p:spTree>
+    <p:extLst>
+      <p:ext uri="{BB962C8B-B14F-4D97-AF65-F5344CB8AC3E}">
+        <p14:creationId xmlns:p14="http://schemas.microsoft.com/office/powerpoint/2010/main" val="2043281434"/>
+      </p:ext>
+    </p:extLst>
+  </p:cSld>
+  <p:clrMapOvr>
+    <a:masterClrMapping/>
+  </p:clrMapOvr>
+</p:sld>
+</file>
+
 <file path=ppt/slides/slide6.xml><?xml version="1.0" encoding="utf-8"?>
 <p:sld xmlns:a="http://schemas.openxmlformats.org/drawingml/2006/main" xmlns:r="http://schemas.openxmlformats.org/officeDocument/2006/relationships" xmlns:p="http://schemas.openxmlformats.org/presentationml/2006/main">
   <p:cSld>
@@ -7863,10 +7674,10 @@
       </p:grpSpPr>
       <p:pic>
         <p:nvPicPr>
-          <p:cNvPr id="6" name="Content Placeholder 5">
-            <a:extLst>
-              <a:ext uri="{FF2B5EF4-FFF2-40B4-BE49-F238E27FC236}">
-                <a16:creationId xmlns:a16="http://schemas.microsoft.com/office/drawing/2014/main" id="{25FE5977-8827-0085-A7ED-4D3978CA0600}"/>
+          <p:cNvPr id="5" name="Content Placeholder 4">
+            <a:extLst>
+              <a:ext uri="{FF2B5EF4-FFF2-40B4-BE49-F238E27FC236}">
+                <a16:creationId xmlns:a16="http://schemas.microsoft.com/office/drawing/2014/main" id="{41124A3D-FA9C-6B69-C148-BD20AA9F7DB4}"/>
               </a:ext>
             </a:extLst>
           </p:cNvPr>
@@ -7877,7 +7688,7 @@
             <p:ph idx="1"/>
           </p:nvPr>
         </p:nvPicPr>
-        <p:blipFill>
+        <p:blipFill rotWithShape="1">
           <a:blip r:embed="rId2">
             <a:extLst>
               <a:ext uri="{28A0092B-C50C-407E-A947-70E740481C1C}">
@@ -7885,21 +7696,20 @@
               </a:ext>
             </a:extLst>
           </a:blip>
-          <a:stretch>
-            <a:fillRect/>
-          </a:stretch>
+          <a:srcRect b="11412"/>
+          <a:stretch/>
         </p:blipFill>
         <p:spPr>
           <a:xfrm>
-            <a:off x="2301908" y="1898074"/>
-            <a:ext cx="7815104" cy="4019910"/>
+            <a:off x="3388163" y="1323993"/>
+            <a:ext cx="5672710" cy="4210014"/>
           </a:xfrm>
         </p:spPr>
       </p:pic>
     </p:spTree>
     <p:extLst>
       <p:ext uri="{BB962C8B-B14F-4D97-AF65-F5344CB8AC3E}">
-        <p14:creationId xmlns:p14="http://schemas.microsoft.com/office/powerpoint/2010/main" val="2043281434"/>
+        <p14:creationId xmlns:p14="http://schemas.microsoft.com/office/powerpoint/2010/main" val="3521466712"/>
       </p:ext>
     </p:extLst>
   </p:cSld>
@@ -7926,45 +7736,91 @@
           <a:chExt cx="0" cy="0"/>
         </a:xfrm>
       </p:grpSpPr>
-      <p:pic>
-        <p:nvPicPr>
-          <p:cNvPr id="6" name="Content Placeholder 5">
-            <a:extLst>
-              <a:ext uri="{FF2B5EF4-FFF2-40B4-BE49-F238E27FC236}">
-                <a16:creationId xmlns:a16="http://schemas.microsoft.com/office/drawing/2014/main" id="{36AFC0F1-464E-F145-7ECA-6D5DFB714B06}"/>
-              </a:ext>
-            </a:extLst>
-          </p:cNvPr>
-          <p:cNvPicPr>
-            <a:picLocks noGrp="1" noChangeAspect="1"/>
-          </p:cNvPicPr>
+      <p:sp>
+        <p:nvSpPr>
+          <p:cNvPr id="3" name="Content Placeholder 2">
+            <a:extLst>
+              <a:ext uri="{FF2B5EF4-FFF2-40B4-BE49-F238E27FC236}">
+                <a16:creationId xmlns:a16="http://schemas.microsoft.com/office/drawing/2014/main" id="{1C9ADEAC-EE26-1E91-0D43-53FFF0939466}"/>
+              </a:ext>
+            </a:extLst>
+          </p:cNvPr>
+          <p:cNvSpPr>
+            <a:spLocks noGrp="1"/>
+          </p:cNvSpPr>
           <p:nvPr>
             <p:ph idx="1"/>
           </p:nvPr>
-        </p:nvPicPr>
-        <p:blipFill>
-          <a:blip r:embed="rId2">
-            <a:extLst>
-              <a:ext uri="{28A0092B-C50C-407E-A947-70E740481C1C}">
-                <a14:useLocalDpi xmlns:a14="http://schemas.microsoft.com/office/drawing/2010/main" val="0"/>
-              </a:ext>
-            </a:extLst>
-          </a:blip>
-          <a:stretch>
-            <a:fillRect/>
-          </a:stretch>
-        </p:blipFill>
+        </p:nvSpPr>
         <p:spPr>
           <a:xfrm>
-            <a:off x="2562656" y="1587383"/>
-            <a:ext cx="7620434" cy="4530361"/>
+            <a:off x="180108" y="0"/>
+            <a:ext cx="11873347" cy="6857999"/>
           </a:xfrm>
         </p:spPr>
-      </p:pic>
+        <p:txBody>
+          <a:bodyPr>
+            <a:normAutofit/>
+          </a:bodyPr>
+          <a:lstStyle/>
+          <a:p>
+            <a:pPr marL="0" indent="0" algn="ctr">
+              <a:buNone/>
+            </a:pPr>
+            <a:endParaRPr lang="id-ID" sz="4000" b="1" dirty="0"/>
+          </a:p>
+          <a:p>
+            <a:pPr marL="0" indent="0" algn="ctr">
+              <a:lnSpc>
+                <a:spcPct val="250000"/>
+              </a:lnSpc>
+              <a:buNone/>
+            </a:pPr>
+            <a:r>
+              <a:rPr lang="id-ID" sz="4000" b="1" dirty="0"/>
+              <a:t>FRONT END</a:t>
+            </a:r>
+            <a:endParaRPr lang="id-ID" sz="2400" dirty="0">
+              <a:solidFill>
+                <a:srgbClr val="4D5156"/>
+              </a:solidFill>
+              <a:latin typeface="arial" panose="020B0604020202020204" pitchFamily="34" charset="0"/>
+            </a:endParaRPr>
+          </a:p>
+          <a:p>
+            <a:pPr marL="0" indent="0">
+              <a:lnSpc>
+                <a:spcPct val="250000"/>
+              </a:lnSpc>
+              <a:buNone/>
+            </a:pPr>
+            <a:r>
+              <a:rPr lang="id-ID" sz="2400" dirty="0">
+                <a:solidFill>
+                  <a:srgbClr val="4D5156"/>
+                </a:solidFill>
+                <a:latin typeface="arial" panose="020B0604020202020204" pitchFamily="34" charset="0"/>
+              </a:rPr>
+              <a:t>F</a:t>
+            </a:r>
+            <a:r>
+              <a:rPr lang="id-ID" sz="2400" b="0" i="0" dirty="0">
+                <a:solidFill>
+                  <a:srgbClr val="4D5156"/>
+                </a:solidFill>
+                <a:effectLst/>
+                <a:latin typeface="arial" panose="020B0604020202020204" pitchFamily="34" charset="0"/>
+              </a:rPr>
+              <a:t>ront-end adalah pengembangan antarmuka pengguna grafis dari sebuah situs web, melalui penggunaan HTML, CSS, dan JavaScript, sehingga pengguna dapat melihat dan berinteraksi dengan situs web tersebut</a:t>
+            </a:r>
+            <a:endParaRPr lang="id-ID" sz="2400" dirty="0"/>
+          </a:p>
+        </p:txBody>
+      </p:sp>
     </p:spTree>
     <p:extLst>
       <p:ext uri="{BB962C8B-B14F-4D97-AF65-F5344CB8AC3E}">
-        <p14:creationId xmlns:p14="http://schemas.microsoft.com/office/powerpoint/2010/main" val="3521466712"/>
+        <p14:creationId xmlns:p14="http://schemas.microsoft.com/office/powerpoint/2010/main" val="2511556469"/>
       </p:ext>
     </p:extLst>
   </p:cSld>
@@ -7993,10 +7849,10 @@
       </p:grpSpPr>
       <p:sp>
         <p:nvSpPr>
-          <p:cNvPr id="3" name="Content Placeholder 2">
-            <a:extLst>
-              <a:ext uri="{FF2B5EF4-FFF2-40B4-BE49-F238E27FC236}">
-                <a16:creationId xmlns:a16="http://schemas.microsoft.com/office/drawing/2014/main" id="{1C9ADEAC-EE26-1E91-0D43-53FFF0939466}"/>
+          <p:cNvPr id="2" name="Title 1">
+            <a:extLst>
+              <a:ext uri="{FF2B5EF4-FFF2-40B4-BE49-F238E27FC236}">
+                <a16:creationId xmlns:a16="http://schemas.microsoft.com/office/drawing/2014/main" id="{1B77D157-0AAD-C721-62FB-7BCDCD673A3F}"/>
               </a:ext>
             </a:extLst>
           </p:cNvPr>
@@ -8004,78 +7860,61 @@
             <a:spLocks noGrp="1"/>
           </p:cNvSpPr>
           <p:nvPr>
+            <p:ph type="title"/>
+          </p:nvPr>
+        </p:nvSpPr>
+        <p:spPr/>
+        <p:txBody>
+          <a:bodyPr/>
+          <a:lstStyle/>
+          <a:p>
+            <a:pPr algn="ctr"/>
+            <a:r>
+              <a:rPr lang="id-ID" dirty="0"/>
+              <a:t>Teknologi yang harus dipelajari</a:t>
+            </a:r>
+          </a:p>
+        </p:txBody>
+      </p:sp>
+      <p:pic>
+        <p:nvPicPr>
+          <p:cNvPr id="6" name="Content Placeholder 5">
+            <a:extLst>
+              <a:ext uri="{FF2B5EF4-FFF2-40B4-BE49-F238E27FC236}">
+                <a16:creationId xmlns:a16="http://schemas.microsoft.com/office/drawing/2014/main" id="{07ACF2DA-50B4-532E-88E2-834CA9A35DDF}"/>
+              </a:ext>
+            </a:extLst>
+          </p:cNvPr>
+          <p:cNvPicPr>
+            <a:picLocks noGrp="1" noChangeAspect="1"/>
+          </p:cNvPicPr>
+          <p:nvPr>
             <p:ph idx="1"/>
           </p:nvPr>
-        </p:nvSpPr>
+        </p:nvPicPr>
+        <p:blipFill>
+          <a:blip r:embed="rId2">
+            <a:extLst>
+              <a:ext uri="{28A0092B-C50C-407E-A947-70E740481C1C}">
+                <a14:useLocalDpi xmlns:a14="http://schemas.microsoft.com/office/drawing/2010/main" val="0"/>
+              </a:ext>
+            </a:extLst>
+          </a:blip>
+          <a:stretch>
+            <a:fillRect/>
+          </a:stretch>
+        </p:blipFill>
         <p:spPr>
           <a:xfrm>
-            <a:off x="180108" y="0"/>
-            <a:ext cx="11873347" cy="6857999"/>
+            <a:off x="3172692" y="1690688"/>
+            <a:ext cx="6068290" cy="4486275"/>
           </a:xfrm>
         </p:spPr>
-        <p:txBody>
-          <a:bodyPr>
-            <a:normAutofit/>
-          </a:bodyPr>
-          <a:lstStyle/>
-          <a:p>
-            <a:pPr marL="0" indent="0" algn="ctr">
-              <a:buNone/>
-            </a:pPr>
-            <a:endParaRPr lang="id-ID" sz="4000" b="1" dirty="0"/>
-          </a:p>
-          <a:p>
-            <a:pPr marL="0" indent="0" algn="ctr">
-              <a:lnSpc>
-                <a:spcPct val="250000"/>
-              </a:lnSpc>
-              <a:buNone/>
-            </a:pPr>
-            <a:r>
-              <a:rPr lang="id-ID" sz="4000" b="1" dirty="0"/>
-              <a:t>FRONT END</a:t>
-            </a:r>
-            <a:endParaRPr lang="id-ID" sz="2400" dirty="0">
-              <a:solidFill>
-                <a:srgbClr val="4D5156"/>
-              </a:solidFill>
-              <a:latin typeface="arial" panose="020B0604020202020204" pitchFamily="34" charset="0"/>
-            </a:endParaRPr>
-          </a:p>
-          <a:p>
-            <a:pPr marL="0" indent="0">
-              <a:lnSpc>
-                <a:spcPct val="250000"/>
-              </a:lnSpc>
-              <a:buNone/>
-            </a:pPr>
-            <a:r>
-              <a:rPr lang="id-ID" sz="2400" dirty="0">
-                <a:solidFill>
-                  <a:srgbClr val="4D5156"/>
-                </a:solidFill>
-                <a:latin typeface="arial" panose="020B0604020202020204" pitchFamily="34" charset="0"/>
-              </a:rPr>
-              <a:t>F</a:t>
-            </a:r>
-            <a:r>
-              <a:rPr lang="id-ID" sz="2400" b="0" i="0" dirty="0">
-                <a:solidFill>
-                  <a:srgbClr val="4D5156"/>
-                </a:solidFill>
-                <a:effectLst/>
-                <a:latin typeface="arial" panose="020B0604020202020204" pitchFamily="34" charset="0"/>
-              </a:rPr>
-              <a:t>ront-end adalah pengembangan antarmuka pengguna grafis dari sebuah situs web, melalui penggunaan HTML, CSS, dan JavaScript, sehingga pengguna dapat melihat dan berinteraksi dengan situs web tersebut</a:t>
-            </a:r>
-            <a:endParaRPr lang="id-ID" sz="2400" dirty="0"/>
-          </a:p>
-        </p:txBody>
-      </p:sp>
+      </p:pic>
     </p:spTree>
     <p:extLst>
       <p:ext uri="{BB962C8B-B14F-4D97-AF65-F5344CB8AC3E}">
-        <p14:creationId xmlns:p14="http://schemas.microsoft.com/office/powerpoint/2010/main" val="2511556469"/>
+        <p14:creationId xmlns:p14="http://schemas.microsoft.com/office/powerpoint/2010/main" val="2680047255"/>
       </p:ext>
     </p:extLst>
   </p:cSld>
@@ -8104,10 +7943,10 @@
       </p:grpSpPr>
       <p:sp>
         <p:nvSpPr>
-          <p:cNvPr id="2" name="Title 1">
-            <a:extLst>
-              <a:ext uri="{FF2B5EF4-FFF2-40B4-BE49-F238E27FC236}">
-                <a16:creationId xmlns:a16="http://schemas.microsoft.com/office/drawing/2014/main" id="{1B77D157-0AAD-C721-62FB-7BCDCD673A3F}"/>
+          <p:cNvPr id="3" name="Content Placeholder 2">
+            <a:extLst>
+              <a:ext uri="{FF2B5EF4-FFF2-40B4-BE49-F238E27FC236}">
+                <a16:creationId xmlns:a16="http://schemas.microsoft.com/office/drawing/2014/main" id="{06BD2ABE-62CF-794C-67B9-D2B69E99CD97}"/>
               </a:ext>
             </a:extLst>
           </p:cNvPr>
@@ -8115,61 +7954,97 @@
             <a:spLocks noGrp="1"/>
           </p:cNvSpPr>
           <p:nvPr>
-            <p:ph type="title"/>
+            <p:ph idx="1"/>
           </p:nvPr>
         </p:nvSpPr>
-        <p:spPr/>
+        <p:spPr>
+          <a:xfrm>
+            <a:off x="838200" y="0"/>
+            <a:ext cx="10515600" cy="6858000"/>
+          </a:xfrm>
+        </p:spPr>
         <p:txBody>
-          <a:bodyPr/>
+          <a:bodyPr>
+            <a:normAutofit/>
+          </a:bodyPr>
           <a:lstStyle/>
           <a:p>
-            <a:pPr algn="ctr"/>
-            <a:r>
-              <a:rPr lang="id-ID" dirty="0"/>
-              <a:t>Teknologi yang harus dipelajari</a:t>
-            </a:r>
+            <a:pPr marL="0" indent="0">
+              <a:lnSpc>
+                <a:spcPct val="150000"/>
+              </a:lnSpc>
+              <a:buNone/>
+            </a:pPr>
+            <a:endParaRPr lang="id-ID" b="0" i="0" dirty="0">
+              <a:solidFill>
+                <a:srgbClr val="202124"/>
+              </a:solidFill>
+              <a:effectLst/>
+              <a:latin typeface="arial" panose="020B0604020202020204" pitchFamily="34" charset="0"/>
+            </a:endParaRPr>
+          </a:p>
+          <a:p>
+            <a:pPr marL="0" indent="0" algn="ctr">
+              <a:lnSpc>
+                <a:spcPct val="150000"/>
+              </a:lnSpc>
+              <a:buNone/>
+            </a:pPr>
+            <a:r>
+              <a:rPr lang="id-ID" b="1" dirty="0">
+                <a:solidFill>
+                  <a:srgbClr val="202124"/>
+                </a:solidFill>
+                <a:latin typeface="arial" panose="020B0604020202020204" pitchFamily="34" charset="0"/>
+              </a:rPr>
+              <a:t>BackEnd</a:t>
+            </a:r>
+          </a:p>
+          <a:p>
+            <a:pPr marL="0" indent="0">
+              <a:lnSpc>
+                <a:spcPct val="150000"/>
+              </a:lnSpc>
+              <a:buNone/>
+            </a:pPr>
+            <a:r>
+              <a:rPr lang="id-ID" b="0" i="0" dirty="0">
+                <a:solidFill>
+                  <a:srgbClr val="202124"/>
+                </a:solidFill>
+                <a:effectLst/>
+                <a:latin typeface="arial" panose="020B0604020202020204" pitchFamily="34" charset="0"/>
+              </a:rPr>
+              <a:t>Pengembang back-end adalah </a:t>
+            </a:r>
+            <a:r>
+              <a:rPr lang="id-ID" b="1" i="0" dirty="0">
+                <a:solidFill>
+                  <a:srgbClr val="202124"/>
+                </a:solidFill>
+                <a:effectLst/>
+                <a:latin typeface="arial" panose="020B0604020202020204" pitchFamily="34" charset="0"/>
+              </a:rPr>
+              <a:t>ahli yang membangun dan memelihara mekanisme yang memproses data dan melakukan tindakan di situs web</a:t>
+            </a:r>
+            <a:r>
+              <a:rPr lang="id-ID" b="0" i="0" dirty="0">
+                <a:solidFill>
+                  <a:srgbClr val="202124"/>
+                </a:solidFill>
+                <a:effectLst/>
+                <a:latin typeface="arial" panose="020B0604020202020204" pitchFamily="34" charset="0"/>
+              </a:rPr>
+              <a:t> . Tidak seperti pengembang front-end, yang mengontrol semua yang dapat Anda lihat di situs web, pengembang back-end terlibat dalam penyimpanan data, keamanan, dan fungsi sisi server lainnya yang tidak dapat Anda lihat.</a:t>
+            </a:r>
+            <a:endParaRPr lang="id-ID" dirty="0"/>
           </a:p>
         </p:txBody>
       </p:sp>
-      <p:pic>
-        <p:nvPicPr>
-          <p:cNvPr id="6" name="Content Placeholder 5">
-            <a:extLst>
-              <a:ext uri="{FF2B5EF4-FFF2-40B4-BE49-F238E27FC236}">
-                <a16:creationId xmlns:a16="http://schemas.microsoft.com/office/drawing/2014/main" id="{07ACF2DA-50B4-532E-88E2-834CA9A35DDF}"/>
-              </a:ext>
-            </a:extLst>
-          </p:cNvPr>
-          <p:cNvPicPr>
-            <a:picLocks noGrp="1" noChangeAspect="1"/>
-          </p:cNvPicPr>
-          <p:nvPr>
-            <p:ph idx="1"/>
-          </p:nvPr>
-        </p:nvPicPr>
-        <p:blipFill>
-          <a:blip r:embed="rId2">
-            <a:extLst>
-              <a:ext uri="{28A0092B-C50C-407E-A947-70E740481C1C}">
-                <a14:useLocalDpi xmlns:a14="http://schemas.microsoft.com/office/drawing/2010/main" val="0"/>
-              </a:ext>
-            </a:extLst>
-          </a:blip>
-          <a:stretch>
-            <a:fillRect/>
-          </a:stretch>
-        </p:blipFill>
-        <p:spPr>
-          <a:xfrm>
-            <a:off x="3172692" y="1690688"/>
-            <a:ext cx="6068290" cy="4486275"/>
-          </a:xfrm>
-        </p:spPr>
-      </p:pic>
     </p:spTree>
     <p:extLst>
       <p:ext uri="{BB962C8B-B14F-4D97-AF65-F5344CB8AC3E}">
-        <p14:creationId xmlns:p14="http://schemas.microsoft.com/office/powerpoint/2010/main" val="2680047255"/>
+        <p14:creationId xmlns:p14="http://schemas.microsoft.com/office/powerpoint/2010/main" val="3962951314"/>
       </p:ext>
     </p:extLst>
   </p:cSld>
